--- a/投影片/5.實作-帳號註冊、登入網頁UI優化.pptx
+++ b/投影片/5.實作-帳號註冊、登入網頁UI優化.pptx
@@ -7,9 +7,24 @@
   <p:sldIdLst>
     <p:sldId id="258" r:id="rId2"/>
     <p:sldId id="259" r:id="rId3"/>
-    <p:sldId id="262" r:id="rId4"/>
-    <p:sldId id="260" r:id="rId5"/>
-    <p:sldId id="263" r:id="rId6"/>
+    <p:sldId id="267" r:id="rId4"/>
+    <p:sldId id="268" r:id="rId5"/>
+    <p:sldId id="269" r:id="rId6"/>
+    <p:sldId id="270" r:id="rId7"/>
+    <p:sldId id="271" r:id="rId8"/>
+    <p:sldId id="262" r:id="rId9"/>
+    <p:sldId id="260" r:id="rId10"/>
+    <p:sldId id="265" r:id="rId11"/>
+    <p:sldId id="266" r:id="rId12"/>
+    <p:sldId id="277" r:id="rId13"/>
+    <p:sldId id="276" r:id="rId14"/>
+    <p:sldId id="272" r:id="rId15"/>
+    <p:sldId id="273" r:id="rId16"/>
+    <p:sldId id="263" r:id="rId17"/>
+    <p:sldId id="278" r:id="rId18"/>
+    <p:sldId id="274" r:id="rId19"/>
+    <p:sldId id="264" r:id="rId20"/>
+    <p:sldId id="275" r:id="rId21"/>
   </p:sldIdLst>
   <p:sldSz cx="12192000" cy="6858000"/>
   <p:notesSz cx="6858000" cy="9144000"/>
@@ -150,7 +165,7 @@
           <a:p>
             <a:fld id="{31CDE89B-FBD9-4E23-BEEB-B0C8819124B3}" type="datetimeFigureOut">
               <a:rPr lang="zh-TW" altLang="en-US" smtClean="0"/>
-              <a:t>2022/4/11</a:t>
+              <a:t>2022/4/27</a:t>
             </a:fld>
             <a:endParaRPr lang="zh-TW" altLang="en-US"/>
           </a:p>
@@ -3021,7 +3036,7 @@
           <a:p>
             <a:fld id="{31CDE89B-FBD9-4E23-BEEB-B0C8819124B3}" type="datetimeFigureOut">
               <a:rPr lang="zh-TW" altLang="en-US" smtClean="0"/>
-              <a:t>2022/4/11</a:t>
+              <a:t>2022/4/27</a:t>
             </a:fld>
             <a:endParaRPr lang="zh-TW" altLang="en-US"/>
           </a:p>
@@ -3213,7 +3228,7 @@
           <a:p>
             <a:fld id="{31CDE89B-FBD9-4E23-BEEB-B0C8819124B3}" type="datetimeFigureOut">
               <a:rPr lang="zh-TW" altLang="en-US" smtClean="0"/>
-              <a:t>2022/4/11</a:t>
+              <a:t>2022/4/27</a:t>
             </a:fld>
             <a:endParaRPr lang="zh-TW" altLang="en-US"/>
           </a:p>
@@ -3409,7 +3424,7 @@
           <a:p>
             <a:fld id="{31CDE89B-FBD9-4E23-BEEB-B0C8819124B3}" type="datetimeFigureOut">
               <a:rPr lang="zh-TW" altLang="en-US" smtClean="0"/>
-              <a:t>2022/4/11</a:t>
+              <a:t>2022/4/27</a:t>
             </a:fld>
             <a:endParaRPr lang="zh-TW" altLang="en-US"/>
           </a:p>
@@ -4505,7 +4520,7 @@
           <a:p>
             <a:fld id="{31CDE89B-FBD9-4E23-BEEB-B0C8819124B3}" type="datetimeFigureOut">
               <a:rPr lang="zh-TW" altLang="en-US" smtClean="0"/>
-              <a:t>2022/4/11</a:t>
+              <a:t>2022/4/27</a:t>
             </a:fld>
             <a:endParaRPr lang="zh-TW" altLang="en-US"/>
           </a:p>
@@ -4754,7 +4769,7 @@
           <a:p>
             <a:fld id="{31CDE89B-FBD9-4E23-BEEB-B0C8819124B3}" type="datetimeFigureOut">
               <a:rPr lang="zh-TW" altLang="en-US" smtClean="0"/>
-              <a:t>2022/4/11</a:t>
+              <a:t>2022/4/27</a:t>
             </a:fld>
             <a:endParaRPr lang="zh-TW" altLang="en-US"/>
           </a:p>
@@ -5133,7 +5148,7 @@
           <a:p>
             <a:fld id="{31CDE89B-FBD9-4E23-BEEB-B0C8819124B3}" type="datetimeFigureOut">
               <a:rPr lang="zh-TW" altLang="en-US" smtClean="0"/>
-              <a:t>2022/4/11</a:t>
+              <a:t>2022/4/27</a:t>
             </a:fld>
             <a:endParaRPr lang="zh-TW" altLang="en-US"/>
           </a:p>
@@ -5263,7 +5278,7 @@
           <a:p>
             <a:fld id="{31CDE89B-FBD9-4E23-BEEB-B0C8819124B3}" type="datetimeFigureOut">
               <a:rPr lang="zh-TW" altLang="en-US" smtClean="0"/>
-              <a:t>2022/4/11</a:t>
+              <a:t>2022/4/27</a:t>
             </a:fld>
             <a:endParaRPr lang="zh-TW" altLang="en-US"/>
           </a:p>
@@ -5370,7 +5385,7 @@
           <a:p>
             <a:fld id="{31CDE89B-FBD9-4E23-BEEB-B0C8819124B3}" type="datetimeFigureOut">
               <a:rPr lang="zh-TW" altLang="en-US" smtClean="0"/>
-              <a:t>2022/4/11</a:t>
+              <a:t>2022/4/27</a:t>
             </a:fld>
             <a:endParaRPr lang="zh-TW" altLang="en-US"/>
           </a:p>
@@ -5659,7 +5674,7 @@
           <a:p>
             <a:fld id="{31CDE89B-FBD9-4E23-BEEB-B0C8819124B3}" type="datetimeFigureOut">
               <a:rPr lang="zh-TW" altLang="en-US" smtClean="0"/>
-              <a:t>2022/4/11</a:t>
+              <a:t>2022/4/27</a:t>
             </a:fld>
             <a:endParaRPr lang="zh-TW" altLang="en-US"/>
           </a:p>
@@ -5924,7 +5939,7 @@
           <a:p>
             <a:fld id="{31CDE89B-FBD9-4E23-BEEB-B0C8819124B3}" type="datetimeFigureOut">
               <a:rPr lang="zh-TW" altLang="en-US" smtClean="0"/>
-              <a:t>2022/4/11</a:t>
+              <a:t>2022/4/27</a:t>
             </a:fld>
             <a:endParaRPr lang="zh-TW" altLang="en-US"/>
           </a:p>
@@ -6149,7 +6164,7 @@
           <a:p>
             <a:fld id="{31CDE89B-FBD9-4E23-BEEB-B0C8819124B3}" type="datetimeFigureOut">
               <a:rPr lang="zh-TW" altLang="en-US" smtClean="0"/>
-              <a:t>2022/4/11</a:t>
+              <a:t>2022/4/27</a:t>
             </a:fld>
             <a:endParaRPr lang="zh-TW" altLang="en-US"/>
           </a:p>
@@ -6625,7 +6640,6 @@
               <a:rPr lang="zh-TW" altLang="en-US" dirty="0"/>
               <a:t>優化</a:t>
             </a:r>
-            <a:endParaRPr lang="zh-TW" altLang="en-US" dirty="0"/>
           </a:p>
         </p:txBody>
       </p:sp>
@@ -6661,6 +6675,2258 @@
 </p:sld>
 </file>
 
+<file path=ppt/slides/slide10.xml><?xml version="1.0" encoding="utf-8"?>
+<p:sld xmlns:a="http://schemas.openxmlformats.org/drawingml/2006/main" xmlns:r="http://schemas.openxmlformats.org/officeDocument/2006/relationships" xmlns:p="http://schemas.openxmlformats.org/presentationml/2006/main">
+  <p:cSld>
+    <p:spTree>
+      <p:nvGrpSpPr>
+        <p:cNvPr id="1" name=""/>
+        <p:cNvGrpSpPr/>
+        <p:nvPr/>
+      </p:nvGrpSpPr>
+      <p:grpSpPr>
+        <a:xfrm>
+          <a:off x="0" y="0"/>
+          <a:ext cx="0" cy="0"/>
+          <a:chOff x="0" y="0"/>
+          <a:chExt cx="0" cy="0"/>
+        </a:xfrm>
+      </p:grpSpPr>
+      <p:sp>
+        <p:nvSpPr>
+          <p:cNvPr id="2" name="標題 1"/>
+          <p:cNvSpPr>
+            <a:spLocks noGrp="1"/>
+          </p:cNvSpPr>
+          <p:nvPr>
+            <p:ph type="title"/>
+          </p:nvPr>
+        </p:nvSpPr>
+        <p:spPr/>
+        <p:txBody>
+          <a:bodyPr/>
+          <a:lstStyle/>
+          <a:p>
+            <a:r>
+              <a:rPr lang="zh-TW" altLang="en-US" dirty="0"/>
+              <a:t>網頁頂部</a:t>
+            </a:r>
+            <a:r>
+              <a:rPr lang="en-US" altLang="zh-TW" dirty="0"/>
+              <a:t>(Master Page)</a:t>
+            </a:r>
+            <a:r>
+              <a:rPr lang="zh-TW" altLang="en-US" dirty="0" smtClean="0"/>
+              <a:t>選單結構切分</a:t>
+            </a:r>
+            <a:endParaRPr lang="zh-TW" altLang="en-US" dirty="0"/>
+          </a:p>
+        </p:txBody>
+      </p:sp>
+      <p:pic>
+        <p:nvPicPr>
+          <p:cNvPr id="5" name="內容版面配置區 3" descr="畫面剪輯"/>
+          <p:cNvPicPr>
+            <a:picLocks noChangeAspect="1"/>
+          </p:cNvPicPr>
+          <p:nvPr/>
+        </p:nvPicPr>
+        <p:blipFill>
+          <a:blip r:embed="rId2">
+            <a:extLst>
+              <a:ext uri="{28A0092B-C50C-407E-A947-70E740481C1C}">
+                <a14:useLocalDpi xmlns:a14="http://schemas.microsoft.com/office/drawing/2010/main" val="0"/>
+              </a:ext>
+            </a:extLst>
+          </a:blip>
+          <a:stretch>
+            <a:fillRect/>
+          </a:stretch>
+        </p:blipFill>
+        <p:spPr>
+          <a:xfrm>
+            <a:off x="996001" y="1514773"/>
+            <a:ext cx="10099952" cy="1775692"/>
+          </a:xfrm>
+          <a:prstGeom prst="rect">
+            <a:avLst/>
+          </a:prstGeom>
+        </p:spPr>
+      </p:pic>
+      <p:sp>
+        <p:nvSpPr>
+          <p:cNvPr id="6" name="矩形 5"/>
+          <p:cNvSpPr/>
+          <p:nvPr/>
+        </p:nvSpPr>
+        <p:spPr>
+          <a:xfrm>
+            <a:off x="996000" y="1514773"/>
+            <a:ext cx="10099953" cy="641838"/>
+          </a:xfrm>
+          <a:prstGeom prst="rect">
+            <a:avLst/>
+          </a:prstGeom>
+          <a:noFill/>
+          <a:ln w="28575">
+            <a:solidFill>
+              <a:srgbClr val="FF0000"/>
+            </a:solidFill>
+          </a:ln>
+        </p:spPr>
+        <p:style>
+          <a:lnRef idx="2">
+            <a:schemeClr val="accent1">
+              <a:shade val="50000"/>
+            </a:schemeClr>
+          </a:lnRef>
+          <a:fillRef idx="1">
+            <a:schemeClr val="accent1"/>
+          </a:fillRef>
+          <a:effectRef idx="0">
+            <a:schemeClr val="accent1"/>
+          </a:effectRef>
+          <a:fontRef idx="minor">
+            <a:schemeClr val="lt1"/>
+          </a:fontRef>
+        </p:style>
+        <p:txBody>
+          <a:bodyPr rtlCol="0" anchor="ctr"/>
+          <a:lstStyle/>
+          <a:p>
+            <a:pPr algn="ctr"/>
+            <a:endParaRPr lang="zh-TW" altLang="en-US"/>
+          </a:p>
+        </p:txBody>
+      </p:sp>
+      <p:sp>
+        <p:nvSpPr>
+          <p:cNvPr id="7" name="矩形 6"/>
+          <p:cNvSpPr/>
+          <p:nvPr/>
+        </p:nvSpPr>
+        <p:spPr>
+          <a:xfrm>
+            <a:off x="995999" y="2221089"/>
+            <a:ext cx="10099954" cy="735622"/>
+          </a:xfrm>
+          <a:prstGeom prst="rect">
+            <a:avLst/>
+          </a:prstGeom>
+          <a:noFill/>
+          <a:ln w="28575">
+            <a:solidFill>
+              <a:srgbClr val="FF0000"/>
+            </a:solidFill>
+          </a:ln>
+        </p:spPr>
+        <p:style>
+          <a:lnRef idx="2">
+            <a:schemeClr val="accent1">
+              <a:shade val="50000"/>
+            </a:schemeClr>
+          </a:lnRef>
+          <a:fillRef idx="1">
+            <a:schemeClr val="accent1"/>
+          </a:fillRef>
+          <a:effectRef idx="0">
+            <a:schemeClr val="accent1"/>
+          </a:effectRef>
+          <a:fontRef idx="minor">
+            <a:schemeClr val="lt1"/>
+          </a:fontRef>
+        </p:style>
+        <p:txBody>
+          <a:bodyPr rtlCol="0" anchor="ctr"/>
+          <a:lstStyle/>
+          <a:p>
+            <a:pPr algn="ctr"/>
+            <a:endParaRPr lang="zh-TW" altLang="en-US"/>
+          </a:p>
+        </p:txBody>
+      </p:sp>
+      <p:sp>
+        <p:nvSpPr>
+          <p:cNvPr id="8" name="矩形 7"/>
+          <p:cNvSpPr/>
+          <p:nvPr/>
+        </p:nvSpPr>
+        <p:spPr>
+          <a:xfrm>
+            <a:off x="3276139" y="2267981"/>
+            <a:ext cx="5516169" cy="641838"/>
+          </a:xfrm>
+          <a:prstGeom prst="rect">
+            <a:avLst/>
+          </a:prstGeom>
+          <a:noFill/>
+          <a:ln w="28575">
+            <a:solidFill>
+              <a:schemeClr val="accent1"/>
+            </a:solidFill>
+          </a:ln>
+        </p:spPr>
+        <p:style>
+          <a:lnRef idx="2">
+            <a:schemeClr val="accent1">
+              <a:shade val="50000"/>
+            </a:schemeClr>
+          </a:lnRef>
+          <a:fillRef idx="1">
+            <a:schemeClr val="accent1"/>
+          </a:fillRef>
+          <a:effectRef idx="0">
+            <a:schemeClr val="accent1"/>
+          </a:effectRef>
+          <a:fontRef idx="minor">
+            <a:schemeClr val="lt1"/>
+          </a:fontRef>
+        </p:style>
+        <p:txBody>
+          <a:bodyPr rtlCol="0" anchor="ctr"/>
+          <a:lstStyle/>
+          <a:p>
+            <a:pPr algn="ctr"/>
+            <a:endParaRPr lang="zh-TW" altLang="en-US"/>
+          </a:p>
+        </p:txBody>
+      </p:sp>
+      <p:sp>
+        <p:nvSpPr>
+          <p:cNvPr id="9" name="矩形 8"/>
+          <p:cNvSpPr/>
+          <p:nvPr/>
+        </p:nvSpPr>
+        <p:spPr>
+          <a:xfrm>
+            <a:off x="3340645" y="2332457"/>
+            <a:ext cx="1583047" cy="512884"/>
+          </a:xfrm>
+          <a:prstGeom prst="rect">
+            <a:avLst/>
+          </a:prstGeom>
+          <a:noFill/>
+          <a:ln w="28575">
+            <a:solidFill>
+              <a:schemeClr val="accent4">
+                <a:lumMod val="75000"/>
+              </a:schemeClr>
+            </a:solidFill>
+          </a:ln>
+        </p:spPr>
+        <p:style>
+          <a:lnRef idx="2">
+            <a:schemeClr val="accent1">
+              <a:shade val="50000"/>
+            </a:schemeClr>
+          </a:lnRef>
+          <a:fillRef idx="1">
+            <a:schemeClr val="accent1"/>
+          </a:fillRef>
+          <a:effectRef idx="0">
+            <a:schemeClr val="accent1"/>
+          </a:effectRef>
+          <a:fontRef idx="minor">
+            <a:schemeClr val="lt1"/>
+          </a:fontRef>
+        </p:style>
+        <p:txBody>
+          <a:bodyPr rtlCol="0" anchor="ctr"/>
+          <a:lstStyle/>
+          <a:p>
+            <a:pPr algn="ctr"/>
+            <a:endParaRPr lang="zh-TW" altLang="en-US"/>
+          </a:p>
+        </p:txBody>
+      </p:sp>
+      <p:sp>
+        <p:nvSpPr>
+          <p:cNvPr id="10" name="矩形 9"/>
+          <p:cNvSpPr/>
+          <p:nvPr/>
+        </p:nvSpPr>
+        <p:spPr>
+          <a:xfrm>
+            <a:off x="5066868" y="2332457"/>
+            <a:ext cx="1583047" cy="512884"/>
+          </a:xfrm>
+          <a:prstGeom prst="rect">
+            <a:avLst/>
+          </a:prstGeom>
+          <a:noFill/>
+          <a:ln w="28575">
+            <a:solidFill>
+              <a:schemeClr val="accent4">
+                <a:lumMod val="75000"/>
+              </a:schemeClr>
+            </a:solidFill>
+          </a:ln>
+        </p:spPr>
+        <p:style>
+          <a:lnRef idx="2">
+            <a:schemeClr val="accent1">
+              <a:shade val="50000"/>
+            </a:schemeClr>
+          </a:lnRef>
+          <a:fillRef idx="1">
+            <a:schemeClr val="accent1"/>
+          </a:fillRef>
+          <a:effectRef idx="0">
+            <a:schemeClr val="accent1"/>
+          </a:effectRef>
+          <a:fontRef idx="minor">
+            <a:schemeClr val="lt1"/>
+          </a:fontRef>
+        </p:style>
+        <p:txBody>
+          <a:bodyPr rtlCol="0" anchor="ctr"/>
+          <a:lstStyle/>
+          <a:p>
+            <a:pPr algn="ctr"/>
+            <a:endParaRPr lang="zh-TW" altLang="en-US"/>
+          </a:p>
+        </p:txBody>
+      </p:sp>
+      <p:sp>
+        <p:nvSpPr>
+          <p:cNvPr id="11" name="矩形 10"/>
+          <p:cNvSpPr/>
+          <p:nvPr/>
+        </p:nvSpPr>
+        <p:spPr>
+          <a:xfrm>
+            <a:off x="6876834" y="2326421"/>
+            <a:ext cx="1809966" cy="512884"/>
+          </a:xfrm>
+          <a:prstGeom prst="rect">
+            <a:avLst/>
+          </a:prstGeom>
+          <a:noFill/>
+          <a:ln w="28575">
+            <a:solidFill>
+              <a:schemeClr val="accent4">
+                <a:lumMod val="75000"/>
+              </a:schemeClr>
+            </a:solidFill>
+          </a:ln>
+        </p:spPr>
+        <p:style>
+          <a:lnRef idx="2">
+            <a:schemeClr val="accent1">
+              <a:shade val="50000"/>
+            </a:schemeClr>
+          </a:lnRef>
+          <a:fillRef idx="1">
+            <a:schemeClr val="accent1"/>
+          </a:fillRef>
+          <a:effectRef idx="0">
+            <a:schemeClr val="accent1"/>
+          </a:effectRef>
+          <a:fontRef idx="minor">
+            <a:schemeClr val="lt1"/>
+          </a:fontRef>
+        </p:style>
+        <p:txBody>
+          <a:bodyPr rtlCol="0" anchor="ctr"/>
+          <a:lstStyle/>
+          <a:p>
+            <a:pPr algn="ctr"/>
+            <a:endParaRPr lang="zh-TW" altLang="en-US"/>
+          </a:p>
+        </p:txBody>
+      </p:sp>
+      <p:sp>
+        <p:nvSpPr>
+          <p:cNvPr id="12" name="矩形 11"/>
+          <p:cNvSpPr/>
+          <p:nvPr/>
+        </p:nvSpPr>
+        <p:spPr>
+          <a:xfrm>
+            <a:off x="1031167" y="1554162"/>
+            <a:ext cx="1650486" cy="540902"/>
+          </a:xfrm>
+          <a:prstGeom prst="rect">
+            <a:avLst/>
+          </a:prstGeom>
+          <a:noFill/>
+          <a:ln w="28575">
+            <a:solidFill>
+              <a:schemeClr val="accent6"/>
+            </a:solidFill>
+          </a:ln>
+        </p:spPr>
+        <p:style>
+          <a:lnRef idx="2">
+            <a:schemeClr val="accent1">
+              <a:shade val="50000"/>
+            </a:schemeClr>
+          </a:lnRef>
+          <a:fillRef idx="1">
+            <a:schemeClr val="accent1"/>
+          </a:fillRef>
+          <a:effectRef idx="0">
+            <a:schemeClr val="accent1"/>
+          </a:effectRef>
+          <a:fontRef idx="minor">
+            <a:schemeClr val="lt1"/>
+          </a:fontRef>
+        </p:style>
+        <p:txBody>
+          <a:bodyPr rtlCol="0" anchor="ctr"/>
+          <a:lstStyle/>
+          <a:p>
+            <a:pPr algn="ctr"/>
+            <a:endParaRPr lang="zh-TW" altLang="en-US"/>
+          </a:p>
+        </p:txBody>
+      </p:sp>
+      <p:sp>
+        <p:nvSpPr>
+          <p:cNvPr id="13" name="矩形 12"/>
+          <p:cNvSpPr/>
+          <p:nvPr/>
+        </p:nvSpPr>
+        <p:spPr>
+          <a:xfrm>
+            <a:off x="9891345" y="1565241"/>
+            <a:ext cx="1134269" cy="540902"/>
+          </a:xfrm>
+          <a:prstGeom prst="rect">
+            <a:avLst/>
+          </a:prstGeom>
+          <a:noFill/>
+          <a:ln w="28575">
+            <a:solidFill>
+              <a:schemeClr val="accent6"/>
+            </a:solidFill>
+          </a:ln>
+        </p:spPr>
+        <p:style>
+          <a:lnRef idx="2">
+            <a:schemeClr val="accent1">
+              <a:shade val="50000"/>
+            </a:schemeClr>
+          </a:lnRef>
+          <a:fillRef idx="1">
+            <a:schemeClr val="accent1"/>
+          </a:fillRef>
+          <a:effectRef idx="0">
+            <a:schemeClr val="accent1"/>
+          </a:effectRef>
+          <a:fontRef idx="minor">
+            <a:schemeClr val="lt1"/>
+          </a:fontRef>
+        </p:style>
+        <p:txBody>
+          <a:bodyPr rtlCol="0" anchor="ctr"/>
+          <a:lstStyle/>
+          <a:p>
+            <a:pPr algn="ctr"/>
+            <a:endParaRPr lang="zh-TW" altLang="en-US"/>
+          </a:p>
+        </p:txBody>
+      </p:sp>
+      <p:pic>
+        <p:nvPicPr>
+          <p:cNvPr id="3" name="圖片 2" descr="畫面剪輯"/>
+          <p:cNvPicPr>
+            <a:picLocks noChangeAspect="1"/>
+          </p:cNvPicPr>
+          <p:nvPr/>
+        </p:nvPicPr>
+        <p:blipFill>
+          <a:blip r:embed="rId3">
+            <a:extLst>
+              <a:ext uri="{28A0092B-C50C-407E-A947-70E740481C1C}">
+                <a14:useLocalDpi xmlns:a14="http://schemas.microsoft.com/office/drawing/2010/main" val="0"/>
+              </a:ext>
+            </a:extLst>
+          </a:blip>
+          <a:stretch>
+            <a:fillRect/>
+          </a:stretch>
+        </p:blipFill>
+        <p:spPr>
+          <a:xfrm>
+            <a:off x="3165298" y="3164705"/>
+            <a:ext cx="5386186" cy="3381268"/>
+          </a:xfrm>
+          <a:prstGeom prst="rect">
+            <a:avLst/>
+          </a:prstGeom>
+        </p:spPr>
+      </p:pic>
+      <p:sp>
+        <p:nvSpPr>
+          <p:cNvPr id="14" name="矩形 13"/>
+          <p:cNvSpPr/>
+          <p:nvPr/>
+        </p:nvSpPr>
+        <p:spPr>
+          <a:xfrm>
+            <a:off x="3165299" y="3146511"/>
+            <a:ext cx="5386186" cy="1785974"/>
+          </a:xfrm>
+          <a:prstGeom prst="rect">
+            <a:avLst/>
+          </a:prstGeom>
+          <a:noFill/>
+          <a:ln w="28575">
+            <a:solidFill>
+              <a:srgbClr val="FF0000"/>
+            </a:solidFill>
+          </a:ln>
+        </p:spPr>
+        <p:style>
+          <a:lnRef idx="2">
+            <a:schemeClr val="accent1">
+              <a:shade val="50000"/>
+            </a:schemeClr>
+          </a:lnRef>
+          <a:fillRef idx="1">
+            <a:schemeClr val="accent1"/>
+          </a:fillRef>
+          <a:effectRef idx="0">
+            <a:schemeClr val="accent1"/>
+          </a:effectRef>
+          <a:fontRef idx="minor">
+            <a:schemeClr val="lt1"/>
+          </a:fontRef>
+        </p:style>
+        <p:txBody>
+          <a:bodyPr rtlCol="0" anchor="ctr"/>
+          <a:lstStyle/>
+          <a:p>
+            <a:pPr algn="ctr"/>
+            <a:endParaRPr lang="zh-TW" altLang="en-US"/>
+          </a:p>
+        </p:txBody>
+      </p:sp>
+      <p:sp>
+        <p:nvSpPr>
+          <p:cNvPr id="15" name="矩形 14"/>
+          <p:cNvSpPr/>
+          <p:nvPr/>
+        </p:nvSpPr>
+        <p:spPr>
+          <a:xfrm>
+            <a:off x="3165298" y="4932485"/>
+            <a:ext cx="5386186" cy="1613488"/>
+          </a:xfrm>
+          <a:prstGeom prst="rect">
+            <a:avLst/>
+          </a:prstGeom>
+          <a:noFill/>
+          <a:ln w="28575">
+            <a:solidFill>
+              <a:srgbClr val="FF0000"/>
+            </a:solidFill>
+          </a:ln>
+        </p:spPr>
+        <p:style>
+          <a:lnRef idx="2">
+            <a:schemeClr val="accent1">
+              <a:shade val="50000"/>
+            </a:schemeClr>
+          </a:lnRef>
+          <a:fillRef idx="1">
+            <a:schemeClr val="accent1"/>
+          </a:fillRef>
+          <a:effectRef idx="0">
+            <a:schemeClr val="accent1"/>
+          </a:effectRef>
+          <a:fontRef idx="minor">
+            <a:schemeClr val="lt1"/>
+          </a:fontRef>
+        </p:style>
+        <p:txBody>
+          <a:bodyPr rtlCol="0" anchor="ctr"/>
+          <a:lstStyle/>
+          <a:p>
+            <a:pPr algn="ctr"/>
+            <a:endParaRPr lang="zh-TW" altLang="en-US"/>
+          </a:p>
+        </p:txBody>
+      </p:sp>
+      <p:sp>
+        <p:nvSpPr>
+          <p:cNvPr id="16" name="矩形 15"/>
+          <p:cNvSpPr/>
+          <p:nvPr/>
+        </p:nvSpPr>
+        <p:spPr>
+          <a:xfrm>
+            <a:off x="3416381" y="3354941"/>
+            <a:ext cx="4496695" cy="891744"/>
+          </a:xfrm>
+          <a:prstGeom prst="rect">
+            <a:avLst/>
+          </a:prstGeom>
+          <a:noFill/>
+          <a:ln w="28575">
+            <a:solidFill>
+              <a:schemeClr val="accent6"/>
+            </a:solidFill>
+          </a:ln>
+        </p:spPr>
+        <p:style>
+          <a:lnRef idx="2">
+            <a:schemeClr val="accent1">
+              <a:shade val="50000"/>
+            </a:schemeClr>
+          </a:lnRef>
+          <a:fillRef idx="1">
+            <a:schemeClr val="accent1"/>
+          </a:fillRef>
+          <a:effectRef idx="0">
+            <a:schemeClr val="accent1"/>
+          </a:effectRef>
+          <a:fontRef idx="minor">
+            <a:schemeClr val="lt1"/>
+          </a:fontRef>
+        </p:style>
+        <p:txBody>
+          <a:bodyPr rtlCol="0" anchor="ctr"/>
+          <a:lstStyle/>
+          <a:p>
+            <a:pPr algn="ctr"/>
+            <a:endParaRPr lang="zh-TW" altLang="en-US"/>
+          </a:p>
+        </p:txBody>
+      </p:sp>
+      <p:sp>
+        <p:nvSpPr>
+          <p:cNvPr id="17" name="矩形 16"/>
+          <p:cNvSpPr/>
+          <p:nvPr/>
+        </p:nvSpPr>
+        <p:spPr>
+          <a:xfrm>
+            <a:off x="3416381" y="4265442"/>
+            <a:ext cx="4496695" cy="499989"/>
+          </a:xfrm>
+          <a:prstGeom prst="rect">
+            <a:avLst/>
+          </a:prstGeom>
+          <a:noFill/>
+          <a:ln w="28575">
+            <a:solidFill>
+              <a:schemeClr val="accent6"/>
+            </a:solidFill>
+          </a:ln>
+        </p:spPr>
+        <p:style>
+          <a:lnRef idx="2">
+            <a:schemeClr val="accent1">
+              <a:shade val="50000"/>
+            </a:schemeClr>
+          </a:lnRef>
+          <a:fillRef idx="1">
+            <a:schemeClr val="accent1"/>
+          </a:fillRef>
+          <a:effectRef idx="0">
+            <a:schemeClr val="accent1"/>
+          </a:effectRef>
+          <a:fontRef idx="minor">
+            <a:schemeClr val="lt1"/>
+          </a:fontRef>
+        </p:style>
+        <p:txBody>
+          <a:bodyPr rtlCol="0" anchor="ctr"/>
+          <a:lstStyle/>
+          <a:p>
+            <a:pPr algn="ctr"/>
+            <a:endParaRPr lang="zh-TW" altLang="en-US"/>
+          </a:p>
+        </p:txBody>
+      </p:sp>
+      <p:sp>
+        <p:nvSpPr>
+          <p:cNvPr id="18" name="矩形 17"/>
+          <p:cNvSpPr/>
+          <p:nvPr/>
+        </p:nvSpPr>
+        <p:spPr>
+          <a:xfrm>
+            <a:off x="3416382" y="5107897"/>
+            <a:ext cx="5059404" cy="1213772"/>
+          </a:xfrm>
+          <a:prstGeom prst="rect">
+            <a:avLst/>
+          </a:prstGeom>
+          <a:noFill/>
+          <a:ln w="28575">
+            <a:solidFill>
+              <a:schemeClr val="accent1"/>
+            </a:solidFill>
+          </a:ln>
+        </p:spPr>
+        <p:style>
+          <a:lnRef idx="2">
+            <a:schemeClr val="accent1">
+              <a:shade val="50000"/>
+            </a:schemeClr>
+          </a:lnRef>
+          <a:fillRef idx="1">
+            <a:schemeClr val="accent1"/>
+          </a:fillRef>
+          <a:effectRef idx="0">
+            <a:schemeClr val="accent1"/>
+          </a:effectRef>
+          <a:fontRef idx="minor">
+            <a:schemeClr val="lt1"/>
+          </a:fontRef>
+        </p:style>
+        <p:txBody>
+          <a:bodyPr rtlCol="0" anchor="ctr"/>
+          <a:lstStyle/>
+          <a:p>
+            <a:pPr algn="ctr"/>
+            <a:endParaRPr lang="zh-TW" altLang="en-US"/>
+          </a:p>
+        </p:txBody>
+      </p:sp>
+      <p:sp>
+        <p:nvSpPr>
+          <p:cNvPr id="19" name="矩形 18"/>
+          <p:cNvSpPr/>
+          <p:nvPr/>
+        </p:nvSpPr>
+        <p:spPr>
+          <a:xfrm>
+            <a:off x="4011791" y="5451230"/>
+            <a:ext cx="4402447" cy="536331"/>
+          </a:xfrm>
+          <a:prstGeom prst="rect">
+            <a:avLst/>
+          </a:prstGeom>
+          <a:noFill/>
+          <a:ln w="28575">
+            <a:solidFill>
+              <a:schemeClr val="accent4">
+                <a:lumMod val="75000"/>
+              </a:schemeClr>
+            </a:solidFill>
+          </a:ln>
+        </p:spPr>
+        <p:style>
+          <a:lnRef idx="2">
+            <a:schemeClr val="accent1">
+              <a:shade val="50000"/>
+            </a:schemeClr>
+          </a:lnRef>
+          <a:fillRef idx="1">
+            <a:schemeClr val="accent1"/>
+          </a:fillRef>
+          <a:effectRef idx="0">
+            <a:schemeClr val="accent1"/>
+          </a:effectRef>
+          <a:fontRef idx="minor">
+            <a:schemeClr val="lt1"/>
+          </a:fontRef>
+        </p:style>
+        <p:txBody>
+          <a:bodyPr rtlCol="0" anchor="ctr"/>
+          <a:lstStyle/>
+          <a:p>
+            <a:pPr algn="ctr"/>
+            <a:endParaRPr lang="zh-TW" altLang="en-US"/>
+          </a:p>
+        </p:txBody>
+      </p:sp>
+    </p:spTree>
+    <p:extLst>
+      <p:ext uri="{BB962C8B-B14F-4D97-AF65-F5344CB8AC3E}">
+        <p14:creationId xmlns:p14="http://schemas.microsoft.com/office/powerpoint/2010/main" val="1405616728"/>
+      </p:ext>
+    </p:extLst>
+  </p:cSld>
+  <p:clrMapOvr>
+    <a:masterClrMapping/>
+  </p:clrMapOvr>
+  <mc:AlternateContent xmlns:mc="http://schemas.openxmlformats.org/markup-compatibility/2006" xmlns:p14="http://schemas.microsoft.com/office/powerpoint/2010/main">
+    <mc:Choice Requires="p14">
+      <p:transition spd="slow" p14:dur="1500">
+        <p:random/>
+      </p:transition>
+    </mc:Choice>
+    <mc:Fallback xmlns="">
+      <p:transition spd="slow">
+        <p:random/>
+      </p:transition>
+    </mc:Fallback>
+  </mc:AlternateContent>
+</p:sld>
+</file>
+
+<file path=ppt/slides/slide11.xml><?xml version="1.0" encoding="utf-8"?>
+<p:sld xmlns:a="http://schemas.openxmlformats.org/drawingml/2006/main" xmlns:r="http://schemas.openxmlformats.org/officeDocument/2006/relationships" xmlns:p="http://schemas.openxmlformats.org/presentationml/2006/main">
+  <p:cSld>
+    <p:spTree>
+      <p:nvGrpSpPr>
+        <p:cNvPr id="1" name=""/>
+        <p:cNvGrpSpPr/>
+        <p:nvPr/>
+      </p:nvGrpSpPr>
+      <p:grpSpPr>
+        <a:xfrm>
+          <a:off x="0" y="0"/>
+          <a:ext cx="0" cy="0"/>
+          <a:chOff x="0" y="0"/>
+          <a:chExt cx="0" cy="0"/>
+        </a:xfrm>
+      </p:grpSpPr>
+      <p:sp>
+        <p:nvSpPr>
+          <p:cNvPr id="2" name="標題 1"/>
+          <p:cNvSpPr>
+            <a:spLocks noGrp="1"/>
+          </p:cNvSpPr>
+          <p:nvPr>
+            <p:ph type="title"/>
+          </p:nvPr>
+        </p:nvSpPr>
+        <p:spPr/>
+        <p:txBody>
+          <a:bodyPr/>
+          <a:lstStyle/>
+          <a:p>
+            <a:r>
+              <a:rPr lang="zh-TW" altLang="en-US" dirty="0"/>
+              <a:t>網頁頂部</a:t>
+            </a:r>
+            <a:r>
+              <a:rPr lang="en-US" altLang="zh-TW" dirty="0"/>
+              <a:t>(Master Page)</a:t>
+            </a:r>
+            <a:r>
+              <a:rPr lang="zh-TW" altLang="en-US" dirty="0" smtClean="0"/>
+              <a:t>選單樣式設定</a:t>
+            </a:r>
+            <a:endParaRPr lang="zh-TW" altLang="en-US" dirty="0"/>
+          </a:p>
+        </p:txBody>
+      </p:sp>
+      <p:pic>
+        <p:nvPicPr>
+          <p:cNvPr id="4" name="圖片 3" descr="畫面剪輯"/>
+          <p:cNvPicPr>
+            <a:picLocks noChangeAspect="1"/>
+          </p:cNvPicPr>
+          <p:nvPr/>
+        </p:nvPicPr>
+        <p:blipFill rotWithShape="1">
+          <a:blip r:embed="rId2">
+            <a:extLst>
+              <a:ext uri="{28A0092B-C50C-407E-A947-70E740481C1C}">
+                <a14:useLocalDpi xmlns:a14="http://schemas.microsoft.com/office/drawing/2010/main" val="0"/>
+              </a:ext>
+            </a:extLst>
+          </a:blip>
+          <a:srcRect b="46938"/>
+          <a:stretch/>
+        </p:blipFill>
+        <p:spPr>
+          <a:xfrm>
+            <a:off x="1056876" y="3041613"/>
+            <a:ext cx="5386186" cy="1794156"/>
+          </a:xfrm>
+          <a:prstGeom prst="rect">
+            <a:avLst/>
+          </a:prstGeom>
+        </p:spPr>
+      </p:pic>
+      <p:sp>
+        <p:nvSpPr>
+          <p:cNvPr id="5" name="矩形 4"/>
+          <p:cNvSpPr/>
+          <p:nvPr/>
+        </p:nvSpPr>
+        <p:spPr>
+          <a:xfrm>
+            <a:off x="1056877" y="3023419"/>
+            <a:ext cx="5386186" cy="1785974"/>
+          </a:xfrm>
+          <a:prstGeom prst="rect">
+            <a:avLst/>
+          </a:prstGeom>
+          <a:noFill/>
+          <a:ln w="28575">
+            <a:solidFill>
+              <a:srgbClr val="FF0000"/>
+            </a:solidFill>
+          </a:ln>
+        </p:spPr>
+        <p:style>
+          <a:lnRef idx="2">
+            <a:schemeClr val="accent1">
+              <a:shade val="50000"/>
+            </a:schemeClr>
+          </a:lnRef>
+          <a:fillRef idx="1">
+            <a:schemeClr val="accent1"/>
+          </a:fillRef>
+          <a:effectRef idx="0">
+            <a:schemeClr val="accent1"/>
+          </a:effectRef>
+          <a:fontRef idx="minor">
+            <a:schemeClr val="lt1"/>
+          </a:fontRef>
+        </p:style>
+        <p:txBody>
+          <a:bodyPr rtlCol="0" anchor="ctr"/>
+          <a:lstStyle/>
+          <a:p>
+            <a:pPr algn="ctr"/>
+            <a:endParaRPr lang="zh-TW" altLang="en-US"/>
+          </a:p>
+        </p:txBody>
+      </p:sp>
+      <p:sp>
+        <p:nvSpPr>
+          <p:cNvPr id="7" name="矩形 6"/>
+          <p:cNvSpPr/>
+          <p:nvPr/>
+        </p:nvSpPr>
+        <p:spPr>
+          <a:xfrm>
+            <a:off x="1307959" y="3231849"/>
+            <a:ext cx="4496695" cy="891744"/>
+          </a:xfrm>
+          <a:prstGeom prst="rect">
+            <a:avLst/>
+          </a:prstGeom>
+          <a:noFill/>
+          <a:ln w="28575">
+            <a:solidFill>
+              <a:schemeClr val="accent6"/>
+            </a:solidFill>
+          </a:ln>
+        </p:spPr>
+        <p:style>
+          <a:lnRef idx="2">
+            <a:schemeClr val="accent1">
+              <a:shade val="50000"/>
+            </a:schemeClr>
+          </a:lnRef>
+          <a:fillRef idx="1">
+            <a:schemeClr val="accent1"/>
+          </a:fillRef>
+          <a:effectRef idx="0">
+            <a:schemeClr val="accent1"/>
+          </a:effectRef>
+          <a:fontRef idx="minor">
+            <a:schemeClr val="lt1"/>
+          </a:fontRef>
+        </p:style>
+        <p:txBody>
+          <a:bodyPr rtlCol="0" anchor="ctr"/>
+          <a:lstStyle/>
+          <a:p>
+            <a:pPr algn="ctr"/>
+            <a:endParaRPr lang="zh-TW" altLang="en-US"/>
+          </a:p>
+        </p:txBody>
+      </p:sp>
+      <p:sp>
+        <p:nvSpPr>
+          <p:cNvPr id="8" name="矩形 7"/>
+          <p:cNvSpPr/>
+          <p:nvPr/>
+        </p:nvSpPr>
+        <p:spPr>
+          <a:xfrm>
+            <a:off x="1307959" y="4142350"/>
+            <a:ext cx="4496695" cy="499989"/>
+          </a:xfrm>
+          <a:prstGeom prst="rect">
+            <a:avLst/>
+          </a:prstGeom>
+          <a:noFill/>
+          <a:ln w="28575">
+            <a:solidFill>
+              <a:schemeClr val="accent6"/>
+            </a:solidFill>
+          </a:ln>
+        </p:spPr>
+        <p:style>
+          <a:lnRef idx="2">
+            <a:schemeClr val="accent1">
+              <a:shade val="50000"/>
+            </a:schemeClr>
+          </a:lnRef>
+          <a:fillRef idx="1">
+            <a:schemeClr val="accent1"/>
+          </a:fillRef>
+          <a:effectRef idx="0">
+            <a:schemeClr val="accent1"/>
+          </a:effectRef>
+          <a:fontRef idx="minor">
+            <a:schemeClr val="lt1"/>
+          </a:fontRef>
+        </p:style>
+        <p:txBody>
+          <a:bodyPr rtlCol="0" anchor="ctr"/>
+          <a:lstStyle/>
+          <a:p>
+            <a:pPr algn="ctr"/>
+            <a:endParaRPr lang="zh-TW" altLang="en-US"/>
+          </a:p>
+        </p:txBody>
+      </p:sp>
+      <p:pic>
+        <p:nvPicPr>
+          <p:cNvPr id="3" name="圖片 2" descr="畫面剪輯"/>
+          <p:cNvPicPr>
+            <a:picLocks noChangeAspect="1"/>
+          </p:cNvPicPr>
+          <p:nvPr/>
+        </p:nvPicPr>
+        <p:blipFill>
+          <a:blip r:embed="rId3">
+            <a:extLst>
+              <a:ext uri="{28A0092B-C50C-407E-A947-70E740481C1C}">
+                <a14:useLocalDpi xmlns:a14="http://schemas.microsoft.com/office/drawing/2010/main" val="0"/>
+              </a:ext>
+            </a:extLst>
+          </a:blip>
+          <a:stretch>
+            <a:fillRect/>
+          </a:stretch>
+        </p:blipFill>
+        <p:spPr>
+          <a:xfrm>
+            <a:off x="7372567" y="1458485"/>
+            <a:ext cx="2460948" cy="5330215"/>
+          </a:xfrm>
+          <a:prstGeom prst="rect">
+            <a:avLst/>
+          </a:prstGeom>
+        </p:spPr>
+      </p:pic>
+    </p:spTree>
+    <p:extLst>
+      <p:ext uri="{BB962C8B-B14F-4D97-AF65-F5344CB8AC3E}">
+        <p14:creationId xmlns:p14="http://schemas.microsoft.com/office/powerpoint/2010/main" val="2202101686"/>
+      </p:ext>
+    </p:extLst>
+  </p:cSld>
+  <p:clrMapOvr>
+    <a:masterClrMapping/>
+  </p:clrMapOvr>
+  <mc:AlternateContent xmlns:mc="http://schemas.openxmlformats.org/markup-compatibility/2006" xmlns:p14="http://schemas.microsoft.com/office/powerpoint/2010/main">
+    <mc:Choice Requires="p14">
+      <p:transition spd="slow" p14:dur="1500">
+        <p:random/>
+      </p:transition>
+    </mc:Choice>
+    <mc:Fallback xmlns="">
+      <p:transition spd="slow">
+        <p:random/>
+      </p:transition>
+    </mc:Fallback>
+  </mc:AlternateContent>
+</p:sld>
+</file>
+
+<file path=ppt/slides/slide12.xml><?xml version="1.0" encoding="utf-8"?>
+<p:sld xmlns:a="http://schemas.openxmlformats.org/drawingml/2006/main" xmlns:r="http://schemas.openxmlformats.org/officeDocument/2006/relationships" xmlns:p="http://schemas.openxmlformats.org/presentationml/2006/main">
+  <p:cSld>
+    <p:spTree>
+      <p:nvGrpSpPr>
+        <p:cNvPr id="1" name=""/>
+        <p:cNvGrpSpPr/>
+        <p:nvPr/>
+      </p:nvGrpSpPr>
+      <p:grpSpPr>
+        <a:xfrm>
+          <a:off x="0" y="0"/>
+          <a:ext cx="0" cy="0"/>
+          <a:chOff x="0" y="0"/>
+          <a:chExt cx="0" cy="0"/>
+        </a:xfrm>
+      </p:grpSpPr>
+      <p:sp>
+        <p:nvSpPr>
+          <p:cNvPr id="2" name="標題 1"/>
+          <p:cNvSpPr>
+            <a:spLocks noGrp="1"/>
+          </p:cNvSpPr>
+          <p:nvPr>
+            <p:ph type="title"/>
+          </p:nvPr>
+        </p:nvSpPr>
+        <p:spPr/>
+        <p:txBody>
+          <a:bodyPr/>
+          <a:lstStyle/>
+          <a:p>
+            <a:r>
+              <a:rPr lang="zh-TW" altLang="en-US" dirty="0"/>
+              <a:t>網頁頂部</a:t>
+            </a:r>
+            <a:r>
+              <a:rPr lang="en-US" altLang="zh-TW" dirty="0"/>
+              <a:t>(Master Page)</a:t>
+            </a:r>
+            <a:r>
+              <a:rPr lang="zh-TW" altLang="en-US" dirty="0"/>
+              <a:t>選單樣式設定</a:t>
+            </a:r>
+          </a:p>
+        </p:txBody>
+      </p:sp>
+      <p:pic>
+        <p:nvPicPr>
+          <p:cNvPr id="5" name="圖片 4" descr="畫面剪輯"/>
+          <p:cNvPicPr>
+            <a:picLocks noChangeAspect="1"/>
+          </p:cNvPicPr>
+          <p:nvPr/>
+        </p:nvPicPr>
+        <p:blipFill>
+          <a:blip r:embed="rId2">
+            <a:extLst>
+              <a:ext uri="{28A0092B-C50C-407E-A947-70E740481C1C}">
+                <a14:useLocalDpi xmlns:a14="http://schemas.microsoft.com/office/drawing/2010/main" val="0"/>
+              </a:ext>
+            </a:extLst>
+          </a:blip>
+          <a:stretch>
+            <a:fillRect/>
+          </a:stretch>
+        </p:blipFill>
+        <p:spPr>
+          <a:xfrm>
+            <a:off x="7159351" y="2024568"/>
+            <a:ext cx="2793541" cy="4159815"/>
+          </a:xfrm>
+          <a:prstGeom prst="rect">
+            <a:avLst/>
+          </a:prstGeom>
+        </p:spPr>
+      </p:pic>
+      <p:pic>
+        <p:nvPicPr>
+          <p:cNvPr id="6" name="圖片 5" descr="畫面剪輯"/>
+          <p:cNvPicPr>
+            <a:picLocks noChangeAspect="1"/>
+          </p:cNvPicPr>
+          <p:nvPr/>
+        </p:nvPicPr>
+        <p:blipFill rotWithShape="1">
+          <a:blip r:embed="rId3">
+            <a:extLst>
+              <a:ext uri="{28A0092B-C50C-407E-A947-70E740481C1C}">
+                <a14:useLocalDpi xmlns:a14="http://schemas.microsoft.com/office/drawing/2010/main" val="0"/>
+              </a:ext>
+            </a:extLst>
+          </a:blip>
+          <a:srcRect t="52281"/>
+          <a:stretch/>
+        </p:blipFill>
+        <p:spPr>
+          <a:xfrm>
+            <a:off x="1223930" y="3209193"/>
+            <a:ext cx="5386186" cy="1613488"/>
+          </a:xfrm>
+          <a:prstGeom prst="rect">
+            <a:avLst/>
+          </a:prstGeom>
+        </p:spPr>
+      </p:pic>
+      <p:sp>
+        <p:nvSpPr>
+          <p:cNvPr id="8" name="矩形 7"/>
+          <p:cNvSpPr/>
+          <p:nvPr/>
+        </p:nvSpPr>
+        <p:spPr>
+          <a:xfrm>
+            <a:off x="1223930" y="3209193"/>
+            <a:ext cx="5386186" cy="1613488"/>
+          </a:xfrm>
+          <a:prstGeom prst="rect">
+            <a:avLst/>
+          </a:prstGeom>
+          <a:noFill/>
+          <a:ln w="28575">
+            <a:solidFill>
+              <a:srgbClr val="FF0000"/>
+            </a:solidFill>
+          </a:ln>
+        </p:spPr>
+        <p:style>
+          <a:lnRef idx="2">
+            <a:schemeClr val="accent1">
+              <a:shade val="50000"/>
+            </a:schemeClr>
+          </a:lnRef>
+          <a:fillRef idx="1">
+            <a:schemeClr val="accent1"/>
+          </a:fillRef>
+          <a:effectRef idx="0">
+            <a:schemeClr val="accent1"/>
+          </a:effectRef>
+          <a:fontRef idx="minor">
+            <a:schemeClr val="lt1"/>
+          </a:fontRef>
+        </p:style>
+        <p:txBody>
+          <a:bodyPr rtlCol="0" anchor="ctr"/>
+          <a:lstStyle/>
+          <a:p>
+            <a:pPr algn="ctr"/>
+            <a:endParaRPr lang="zh-TW" altLang="en-US"/>
+          </a:p>
+        </p:txBody>
+      </p:sp>
+      <p:sp>
+        <p:nvSpPr>
+          <p:cNvPr id="11" name="矩形 10"/>
+          <p:cNvSpPr/>
+          <p:nvPr/>
+        </p:nvSpPr>
+        <p:spPr>
+          <a:xfrm>
+            <a:off x="1475014" y="3384605"/>
+            <a:ext cx="5059404" cy="1213772"/>
+          </a:xfrm>
+          <a:prstGeom prst="rect">
+            <a:avLst/>
+          </a:prstGeom>
+          <a:noFill/>
+          <a:ln w="28575">
+            <a:solidFill>
+              <a:schemeClr val="accent1"/>
+            </a:solidFill>
+          </a:ln>
+        </p:spPr>
+        <p:style>
+          <a:lnRef idx="2">
+            <a:schemeClr val="accent1">
+              <a:shade val="50000"/>
+            </a:schemeClr>
+          </a:lnRef>
+          <a:fillRef idx="1">
+            <a:schemeClr val="accent1"/>
+          </a:fillRef>
+          <a:effectRef idx="0">
+            <a:schemeClr val="accent1"/>
+          </a:effectRef>
+          <a:fontRef idx="minor">
+            <a:schemeClr val="lt1"/>
+          </a:fontRef>
+        </p:style>
+        <p:txBody>
+          <a:bodyPr rtlCol="0" anchor="ctr"/>
+          <a:lstStyle/>
+          <a:p>
+            <a:pPr algn="ctr"/>
+            <a:endParaRPr lang="zh-TW" altLang="en-US"/>
+          </a:p>
+        </p:txBody>
+      </p:sp>
+      <p:sp>
+        <p:nvSpPr>
+          <p:cNvPr id="12" name="矩形 11"/>
+          <p:cNvSpPr/>
+          <p:nvPr/>
+        </p:nvSpPr>
+        <p:spPr>
+          <a:xfrm>
+            <a:off x="2070423" y="3727938"/>
+            <a:ext cx="4402447" cy="536331"/>
+          </a:xfrm>
+          <a:prstGeom prst="rect">
+            <a:avLst/>
+          </a:prstGeom>
+          <a:noFill/>
+          <a:ln w="28575">
+            <a:solidFill>
+              <a:schemeClr val="accent4">
+                <a:lumMod val="75000"/>
+              </a:schemeClr>
+            </a:solidFill>
+          </a:ln>
+        </p:spPr>
+        <p:style>
+          <a:lnRef idx="2">
+            <a:schemeClr val="accent1">
+              <a:shade val="50000"/>
+            </a:schemeClr>
+          </a:lnRef>
+          <a:fillRef idx="1">
+            <a:schemeClr val="accent1"/>
+          </a:fillRef>
+          <a:effectRef idx="0">
+            <a:schemeClr val="accent1"/>
+          </a:effectRef>
+          <a:fontRef idx="minor">
+            <a:schemeClr val="lt1"/>
+          </a:fontRef>
+        </p:style>
+        <p:txBody>
+          <a:bodyPr rtlCol="0" anchor="ctr"/>
+          <a:lstStyle/>
+          <a:p>
+            <a:pPr algn="ctr"/>
+            <a:endParaRPr lang="zh-TW" altLang="en-US"/>
+          </a:p>
+        </p:txBody>
+      </p:sp>
+    </p:spTree>
+    <p:extLst>
+      <p:ext uri="{BB962C8B-B14F-4D97-AF65-F5344CB8AC3E}">
+        <p14:creationId xmlns:p14="http://schemas.microsoft.com/office/powerpoint/2010/main" val="2136524736"/>
+      </p:ext>
+    </p:extLst>
+  </p:cSld>
+  <p:clrMapOvr>
+    <a:masterClrMapping/>
+  </p:clrMapOvr>
+  <mc:AlternateContent xmlns:mc="http://schemas.openxmlformats.org/markup-compatibility/2006" xmlns:p14="http://schemas.microsoft.com/office/powerpoint/2010/main">
+    <mc:Choice Requires="p14">
+      <p:transition spd="slow" p14:dur="1500">
+        <p:random/>
+      </p:transition>
+    </mc:Choice>
+    <mc:Fallback xmlns="">
+      <p:transition spd="slow">
+        <p:random/>
+      </p:transition>
+    </mc:Fallback>
+  </mc:AlternateContent>
+  <p:timing>
+    <p:tnLst>
+      <p:par>
+        <p:cTn id="1" dur="indefinite" restart="never" nodeType="tmRoot"/>
+      </p:par>
+    </p:tnLst>
+  </p:timing>
+</p:sld>
+</file>
+
+<file path=ppt/slides/slide13.xml><?xml version="1.0" encoding="utf-8"?>
+<p:sld xmlns:a="http://schemas.openxmlformats.org/drawingml/2006/main" xmlns:r="http://schemas.openxmlformats.org/officeDocument/2006/relationships" xmlns:p="http://schemas.openxmlformats.org/presentationml/2006/main">
+  <p:cSld>
+    <p:spTree>
+      <p:nvGrpSpPr>
+        <p:cNvPr id="1" name=""/>
+        <p:cNvGrpSpPr/>
+        <p:nvPr/>
+      </p:nvGrpSpPr>
+      <p:grpSpPr>
+        <a:xfrm>
+          <a:off x="0" y="0"/>
+          <a:ext cx="0" cy="0"/>
+          <a:chOff x="0" y="0"/>
+          <a:chExt cx="0" cy="0"/>
+        </a:xfrm>
+      </p:grpSpPr>
+      <p:sp>
+        <p:nvSpPr>
+          <p:cNvPr id="2" name="標題 1"/>
+          <p:cNvSpPr>
+            <a:spLocks noGrp="1"/>
+          </p:cNvSpPr>
+          <p:nvPr>
+            <p:ph type="title"/>
+          </p:nvPr>
+        </p:nvSpPr>
+        <p:spPr/>
+        <p:txBody>
+          <a:bodyPr/>
+          <a:lstStyle/>
+          <a:p>
+            <a:r>
+              <a:rPr lang="zh-TW" altLang="en-US" dirty="0" smtClean="0"/>
+              <a:t>滑鼠觸摸效果</a:t>
+            </a:r>
+            <a:endParaRPr lang="zh-TW" altLang="en-US" dirty="0"/>
+          </a:p>
+        </p:txBody>
+      </p:sp>
+      <p:sp>
+        <p:nvSpPr>
+          <p:cNvPr id="3" name="內容版面配置區 2"/>
+          <p:cNvSpPr>
+            <a:spLocks noGrp="1"/>
+          </p:cNvSpPr>
+          <p:nvPr>
+            <p:ph idx="1"/>
+          </p:nvPr>
+        </p:nvSpPr>
+        <p:spPr/>
+        <p:txBody>
+          <a:bodyPr/>
+          <a:lstStyle/>
+          <a:p>
+            <a:r>
+              <a:rPr lang="en-US" altLang="zh-TW" dirty="0" smtClean="0"/>
+              <a:t>:hover</a:t>
+            </a:r>
+            <a:r>
+              <a:rPr lang="zh-TW" altLang="en-US" dirty="0" smtClean="0"/>
+              <a:t> </a:t>
+            </a:r>
+            <a:r>
+              <a:rPr lang="en-US" altLang="zh-TW" dirty="0" smtClean="0"/>
+              <a:t>+</a:t>
+            </a:r>
+            <a:r>
+              <a:rPr lang="zh-TW" altLang="en-US" dirty="0" smtClean="0"/>
+              <a:t> </a:t>
+            </a:r>
+            <a:r>
+              <a:rPr lang="en-US" altLang="zh-TW" dirty="0" smtClean="0"/>
+              <a:t>transition</a:t>
+            </a:r>
+            <a:endParaRPr lang="zh-TW" altLang="en-US" dirty="0"/>
+          </a:p>
+        </p:txBody>
+      </p:sp>
+      <p:pic>
+        <p:nvPicPr>
+          <p:cNvPr id="4" name="圖片 3" descr="畫面剪輯"/>
+          <p:cNvPicPr>
+            <a:picLocks noChangeAspect="1"/>
+          </p:cNvPicPr>
+          <p:nvPr/>
+        </p:nvPicPr>
+        <p:blipFill>
+          <a:blip r:embed="rId2">
+            <a:extLst>
+              <a:ext uri="{28A0092B-C50C-407E-A947-70E740481C1C}">
+                <a14:useLocalDpi xmlns:a14="http://schemas.microsoft.com/office/drawing/2010/main" val="0"/>
+              </a:ext>
+            </a:extLst>
+          </a:blip>
+          <a:stretch>
+            <a:fillRect/>
+          </a:stretch>
+        </p:blipFill>
+        <p:spPr>
+          <a:xfrm>
+            <a:off x="4984962" y="1510751"/>
+            <a:ext cx="5161361" cy="4392120"/>
+          </a:xfrm>
+          <a:prstGeom prst="rect">
+            <a:avLst/>
+          </a:prstGeom>
+        </p:spPr>
+      </p:pic>
+    </p:spTree>
+    <p:extLst>
+      <p:ext uri="{BB962C8B-B14F-4D97-AF65-F5344CB8AC3E}">
+        <p14:creationId xmlns:p14="http://schemas.microsoft.com/office/powerpoint/2010/main" val="959224342"/>
+      </p:ext>
+    </p:extLst>
+  </p:cSld>
+  <p:clrMapOvr>
+    <a:masterClrMapping/>
+  </p:clrMapOvr>
+  <mc:AlternateContent xmlns:mc="http://schemas.openxmlformats.org/markup-compatibility/2006" xmlns:p14="http://schemas.microsoft.com/office/powerpoint/2010/main">
+    <mc:Choice Requires="p14">
+      <p:transition spd="slow" p14:dur="1500">
+        <p:random/>
+      </p:transition>
+    </mc:Choice>
+    <mc:Fallback xmlns="">
+      <p:transition spd="slow">
+        <p:random/>
+      </p:transition>
+    </mc:Fallback>
+  </mc:AlternateContent>
+</p:sld>
+</file>
+
+<file path=ppt/slides/slide14.xml><?xml version="1.0" encoding="utf-8"?>
+<p:sld xmlns:a="http://schemas.openxmlformats.org/drawingml/2006/main" xmlns:r="http://schemas.openxmlformats.org/officeDocument/2006/relationships" xmlns:p="http://schemas.openxmlformats.org/presentationml/2006/main">
+  <p:cSld>
+    <p:spTree>
+      <p:nvGrpSpPr>
+        <p:cNvPr id="1" name=""/>
+        <p:cNvGrpSpPr/>
+        <p:nvPr/>
+      </p:nvGrpSpPr>
+      <p:grpSpPr>
+        <a:xfrm>
+          <a:off x="0" y="0"/>
+          <a:ext cx="0" cy="0"/>
+          <a:chOff x="0" y="0"/>
+          <a:chExt cx="0" cy="0"/>
+        </a:xfrm>
+      </p:grpSpPr>
+      <p:sp>
+        <p:nvSpPr>
+          <p:cNvPr id="2" name="標題 1"/>
+          <p:cNvSpPr>
+            <a:spLocks noGrp="1"/>
+          </p:cNvSpPr>
+          <p:nvPr>
+            <p:ph type="title"/>
+          </p:nvPr>
+        </p:nvSpPr>
+        <p:spPr/>
+        <p:txBody>
+          <a:bodyPr/>
+          <a:lstStyle/>
+          <a:p>
+            <a:r>
+              <a:rPr lang="en-US" altLang="zh-TW" dirty="0" smtClean="0"/>
+              <a:t>Background(</a:t>
+            </a:r>
+            <a:r>
+              <a:rPr lang="zh-TW" altLang="en-US" dirty="0" smtClean="0"/>
+              <a:t>背景</a:t>
+            </a:r>
+            <a:r>
+              <a:rPr lang="en-US" altLang="zh-TW" dirty="0" smtClean="0"/>
+              <a:t>)</a:t>
+            </a:r>
+            <a:r>
+              <a:rPr lang="zh-TW" altLang="en-US" dirty="0" smtClean="0"/>
+              <a:t>相關設定</a:t>
+            </a:r>
+            <a:endParaRPr lang="zh-TW" altLang="en-US" dirty="0"/>
+          </a:p>
+        </p:txBody>
+      </p:sp>
+      <p:sp>
+        <p:nvSpPr>
+          <p:cNvPr id="3" name="內容版面配置區 2"/>
+          <p:cNvSpPr>
+            <a:spLocks noGrp="1"/>
+          </p:cNvSpPr>
+          <p:nvPr>
+            <p:ph idx="1"/>
+          </p:nvPr>
+        </p:nvSpPr>
+        <p:spPr/>
+        <p:txBody>
+          <a:bodyPr/>
+          <a:lstStyle/>
+          <a:p>
+            <a:r>
+              <a:rPr lang="en-US" altLang="zh-TW" dirty="0" smtClean="0"/>
+              <a:t>background-color</a:t>
+            </a:r>
+          </a:p>
+          <a:p>
+            <a:r>
+              <a:rPr lang="en-US" altLang="zh-TW" dirty="0" smtClean="0"/>
+              <a:t>background-image</a:t>
+            </a:r>
+          </a:p>
+          <a:p>
+            <a:r>
+              <a:rPr lang="en-US" altLang="zh-TW" dirty="0"/>
+              <a:t>background-size</a:t>
+            </a:r>
+            <a:endParaRPr lang="zh-TW" altLang="en-US" dirty="0"/>
+          </a:p>
+        </p:txBody>
+      </p:sp>
+      <p:pic>
+        <p:nvPicPr>
+          <p:cNvPr id="4" name="圖片 3" descr="畫面剪輯"/>
+          <p:cNvPicPr>
+            <a:picLocks noChangeAspect="1"/>
+          </p:cNvPicPr>
+          <p:nvPr/>
+        </p:nvPicPr>
+        <p:blipFill>
+          <a:blip r:embed="rId2">
+            <a:extLst>
+              <a:ext uri="{28A0092B-C50C-407E-A947-70E740481C1C}">
+                <a14:useLocalDpi xmlns:a14="http://schemas.microsoft.com/office/drawing/2010/main" val="0"/>
+              </a:ext>
+            </a:extLst>
+          </a:blip>
+          <a:stretch>
+            <a:fillRect/>
+          </a:stretch>
+        </p:blipFill>
+        <p:spPr>
+          <a:xfrm>
+            <a:off x="207292" y="3400998"/>
+            <a:ext cx="11719751" cy="3008594"/>
+          </a:xfrm>
+          <a:prstGeom prst="rect">
+            <a:avLst/>
+          </a:prstGeom>
+        </p:spPr>
+      </p:pic>
+    </p:spTree>
+    <p:extLst>
+      <p:ext uri="{BB962C8B-B14F-4D97-AF65-F5344CB8AC3E}">
+        <p14:creationId xmlns:p14="http://schemas.microsoft.com/office/powerpoint/2010/main" val="2171226564"/>
+      </p:ext>
+    </p:extLst>
+  </p:cSld>
+  <p:clrMapOvr>
+    <a:masterClrMapping/>
+  </p:clrMapOvr>
+  <mc:AlternateContent xmlns:mc="http://schemas.openxmlformats.org/markup-compatibility/2006" xmlns:p14="http://schemas.microsoft.com/office/powerpoint/2010/main">
+    <mc:Choice Requires="p14">
+      <p:transition spd="slow" p14:dur="1500">
+        <p:random/>
+      </p:transition>
+    </mc:Choice>
+    <mc:Fallback xmlns="">
+      <p:transition spd="slow">
+        <p:random/>
+      </p:transition>
+    </mc:Fallback>
+  </mc:AlternateContent>
+  <p:timing>
+    <p:tnLst>
+      <p:par>
+        <p:cTn id="1" dur="indefinite" restart="never" nodeType="tmRoot"/>
+      </p:par>
+    </p:tnLst>
+  </p:timing>
+</p:sld>
+</file>
+
+<file path=ppt/slides/slide15.xml><?xml version="1.0" encoding="utf-8"?>
+<p:sld xmlns:a="http://schemas.openxmlformats.org/drawingml/2006/main" xmlns:r="http://schemas.openxmlformats.org/officeDocument/2006/relationships" xmlns:p="http://schemas.openxmlformats.org/presentationml/2006/main">
+  <p:cSld>
+    <p:spTree>
+      <p:nvGrpSpPr>
+        <p:cNvPr id="1" name=""/>
+        <p:cNvGrpSpPr/>
+        <p:nvPr/>
+      </p:nvGrpSpPr>
+      <p:grpSpPr>
+        <a:xfrm>
+          <a:off x="0" y="0"/>
+          <a:ext cx="0" cy="0"/>
+          <a:chOff x="0" y="0"/>
+          <a:chExt cx="0" cy="0"/>
+        </a:xfrm>
+      </p:grpSpPr>
+      <p:sp>
+        <p:nvSpPr>
+          <p:cNvPr id="2" name="標題 1"/>
+          <p:cNvSpPr>
+            <a:spLocks noGrp="1"/>
+          </p:cNvSpPr>
+          <p:nvPr>
+            <p:ph type="title"/>
+          </p:nvPr>
+        </p:nvSpPr>
+        <p:spPr/>
+        <p:txBody>
+          <a:bodyPr/>
+          <a:lstStyle/>
+          <a:p>
+            <a:r>
+              <a:rPr lang="en-US" altLang="zh-TW" dirty="0" smtClean="0"/>
+              <a:t>Position(</a:t>
+            </a:r>
+            <a:r>
+              <a:rPr lang="zh-TW" altLang="en-US" dirty="0" smtClean="0"/>
+              <a:t>定位</a:t>
+            </a:r>
+            <a:r>
+              <a:rPr lang="en-US" altLang="zh-TW" dirty="0" smtClean="0"/>
+              <a:t>)</a:t>
+            </a:r>
+            <a:endParaRPr lang="zh-TW" altLang="en-US" dirty="0"/>
+          </a:p>
+        </p:txBody>
+      </p:sp>
+      <p:sp>
+        <p:nvSpPr>
+          <p:cNvPr id="3" name="內容版面配置區 2"/>
+          <p:cNvSpPr>
+            <a:spLocks noGrp="1"/>
+          </p:cNvSpPr>
+          <p:nvPr>
+            <p:ph idx="1"/>
+          </p:nvPr>
+        </p:nvSpPr>
+        <p:spPr/>
+        <p:txBody>
+          <a:bodyPr/>
+          <a:lstStyle/>
+          <a:p>
+            <a:r>
+              <a:rPr lang="en-US" altLang="zh-TW" dirty="0"/>
+              <a:t>relative</a:t>
+            </a:r>
+            <a:endParaRPr lang="en-US" altLang="zh-TW" dirty="0" smtClean="0"/>
+          </a:p>
+          <a:p>
+            <a:r>
+              <a:rPr lang="en-US" altLang="zh-TW" dirty="0" smtClean="0"/>
+              <a:t>absolute</a:t>
+            </a:r>
+            <a:endParaRPr lang="zh-TW" altLang="en-US" dirty="0"/>
+          </a:p>
+        </p:txBody>
+      </p:sp>
+    </p:spTree>
+    <p:extLst>
+      <p:ext uri="{BB962C8B-B14F-4D97-AF65-F5344CB8AC3E}">
+        <p14:creationId xmlns:p14="http://schemas.microsoft.com/office/powerpoint/2010/main" val="2000756423"/>
+      </p:ext>
+    </p:extLst>
+  </p:cSld>
+  <p:clrMapOvr>
+    <a:masterClrMapping/>
+  </p:clrMapOvr>
+  <mc:AlternateContent xmlns:mc="http://schemas.openxmlformats.org/markup-compatibility/2006" xmlns:p14="http://schemas.microsoft.com/office/powerpoint/2010/main">
+    <mc:Choice Requires="p14">
+      <p:transition spd="slow" p14:dur="1500">
+        <p:random/>
+      </p:transition>
+    </mc:Choice>
+    <mc:Fallback xmlns="">
+      <p:transition spd="slow">
+        <p:random/>
+      </p:transition>
+    </mc:Fallback>
+  </mc:AlternateContent>
+</p:sld>
+</file>
+
+<file path=ppt/slides/slide16.xml><?xml version="1.0" encoding="utf-8"?>
+<p:sld xmlns:a="http://schemas.openxmlformats.org/drawingml/2006/main" xmlns:r="http://schemas.openxmlformats.org/officeDocument/2006/relationships" xmlns:p="http://schemas.openxmlformats.org/presentationml/2006/main">
+  <p:cSld>
+    <p:spTree>
+      <p:nvGrpSpPr>
+        <p:cNvPr id="1" name=""/>
+        <p:cNvGrpSpPr/>
+        <p:nvPr/>
+      </p:nvGrpSpPr>
+      <p:grpSpPr>
+        <a:xfrm>
+          <a:off x="0" y="0"/>
+          <a:ext cx="0" cy="0"/>
+          <a:chOff x="0" y="0"/>
+          <a:chExt cx="0" cy="0"/>
+        </a:xfrm>
+      </p:grpSpPr>
+      <p:sp>
+        <p:nvSpPr>
+          <p:cNvPr id="2" name="標題 1"/>
+          <p:cNvSpPr>
+            <a:spLocks noGrp="1"/>
+          </p:cNvSpPr>
+          <p:nvPr>
+            <p:ph type="title"/>
+          </p:nvPr>
+        </p:nvSpPr>
+        <p:spPr/>
+        <p:txBody>
+          <a:bodyPr/>
+          <a:lstStyle/>
+          <a:p>
+            <a:r>
+              <a:rPr lang="zh-TW" altLang="en-US" dirty="0"/>
+              <a:t>登入</a:t>
+            </a:r>
+            <a:r>
+              <a:rPr lang="zh-TW" altLang="en-US" dirty="0" smtClean="0"/>
+              <a:t>網頁</a:t>
+            </a:r>
+            <a:endParaRPr lang="zh-TW" altLang="en-US" dirty="0"/>
+          </a:p>
+        </p:txBody>
+      </p:sp>
+      <p:pic>
+        <p:nvPicPr>
+          <p:cNvPr id="6" name="內容版面配置區 5" descr="畫面剪輯"/>
+          <p:cNvPicPr>
+            <a:picLocks noGrp="1" noChangeAspect="1"/>
+          </p:cNvPicPr>
+          <p:nvPr>
+            <p:ph idx="1"/>
+          </p:nvPr>
+        </p:nvPicPr>
+        <p:blipFill rotWithShape="1">
+          <a:blip r:embed="rId2">
+            <a:extLst>
+              <a:ext uri="{28A0092B-C50C-407E-A947-70E740481C1C}">
+                <a14:useLocalDpi xmlns:a14="http://schemas.microsoft.com/office/drawing/2010/main" val="0"/>
+              </a:ext>
+            </a:extLst>
+          </a:blip>
+          <a:srcRect t="1697"/>
+          <a:stretch/>
+        </p:blipFill>
+        <p:spPr>
+          <a:xfrm>
+            <a:off x="639659" y="2813538"/>
+            <a:ext cx="3305828" cy="1670538"/>
+          </a:xfrm>
+          <a:prstGeom prst="rect">
+            <a:avLst/>
+          </a:prstGeom>
+          <a:ln w="38100" cap="sq">
+            <a:solidFill>
+              <a:srgbClr val="000000"/>
+            </a:solidFill>
+            <a:prstDash val="solid"/>
+            <a:miter lim="800000"/>
+          </a:ln>
+          <a:effectLst>
+            <a:outerShdw blurRad="50800" dist="38100" dir="2700000" algn="tl" rotWithShape="0">
+              <a:srgbClr val="000000">
+                <a:alpha val="43000"/>
+              </a:srgbClr>
+            </a:outerShdw>
+          </a:effectLst>
+        </p:spPr>
+      </p:pic>
+      <p:pic>
+        <p:nvPicPr>
+          <p:cNvPr id="7" name="圖片 6" descr="畫面剪輯"/>
+          <p:cNvPicPr>
+            <a:picLocks noChangeAspect="1"/>
+          </p:cNvPicPr>
+          <p:nvPr/>
+        </p:nvPicPr>
+        <p:blipFill rotWithShape="1">
+          <a:blip r:embed="rId3">
+            <a:extLst>
+              <a:ext uri="{28A0092B-C50C-407E-A947-70E740481C1C}">
+                <a14:useLocalDpi xmlns:a14="http://schemas.microsoft.com/office/drawing/2010/main" val="0"/>
+              </a:ext>
+            </a:extLst>
+          </a:blip>
+          <a:srcRect l="18967"/>
+          <a:stretch/>
+        </p:blipFill>
+        <p:spPr>
+          <a:xfrm>
+            <a:off x="5002823" y="1670606"/>
+            <a:ext cx="6969368" cy="4287061"/>
+          </a:xfrm>
+          <a:prstGeom prst="rect">
+            <a:avLst/>
+          </a:prstGeom>
+        </p:spPr>
+      </p:pic>
+      <p:sp>
+        <p:nvSpPr>
+          <p:cNvPr id="8" name="向右箭號 7"/>
+          <p:cNvSpPr/>
+          <p:nvPr/>
+        </p:nvSpPr>
+        <p:spPr>
+          <a:xfrm>
+            <a:off x="4100482" y="3402622"/>
+            <a:ext cx="747346" cy="492369"/>
+          </a:xfrm>
+          <a:prstGeom prst="rightArrow">
+            <a:avLst/>
+          </a:prstGeom>
+        </p:spPr>
+        <p:style>
+          <a:lnRef idx="2">
+            <a:schemeClr val="accent1">
+              <a:shade val="50000"/>
+            </a:schemeClr>
+          </a:lnRef>
+          <a:fillRef idx="1">
+            <a:schemeClr val="accent1"/>
+          </a:fillRef>
+          <a:effectRef idx="0">
+            <a:schemeClr val="accent1"/>
+          </a:effectRef>
+          <a:fontRef idx="minor">
+            <a:schemeClr val="lt1"/>
+          </a:fontRef>
+        </p:style>
+        <p:txBody>
+          <a:bodyPr rtlCol="0" anchor="ctr"/>
+          <a:lstStyle/>
+          <a:p>
+            <a:pPr algn="ctr"/>
+            <a:endParaRPr lang="zh-TW" altLang="en-US"/>
+          </a:p>
+        </p:txBody>
+      </p:sp>
+    </p:spTree>
+    <p:extLst>
+      <p:ext uri="{BB962C8B-B14F-4D97-AF65-F5344CB8AC3E}">
+        <p14:creationId xmlns:p14="http://schemas.microsoft.com/office/powerpoint/2010/main" val="1147716769"/>
+      </p:ext>
+    </p:extLst>
+  </p:cSld>
+  <p:clrMapOvr>
+    <a:masterClrMapping/>
+  </p:clrMapOvr>
+  <mc:AlternateContent xmlns:mc="http://schemas.openxmlformats.org/markup-compatibility/2006" xmlns:p14="http://schemas.microsoft.com/office/powerpoint/2010/main">
+    <mc:Choice Requires="p14">
+      <p:transition spd="slow" p14:dur="1500">
+        <p:random/>
+      </p:transition>
+    </mc:Choice>
+    <mc:Fallback xmlns="">
+      <p:transition spd="slow">
+        <p:random/>
+      </p:transition>
+    </mc:Fallback>
+  </mc:AlternateContent>
+</p:sld>
+</file>
+
+<file path=ppt/slides/slide17.xml><?xml version="1.0" encoding="utf-8"?>
+<p:sld xmlns:a="http://schemas.openxmlformats.org/drawingml/2006/main" xmlns:r="http://schemas.openxmlformats.org/officeDocument/2006/relationships" xmlns:p="http://schemas.openxmlformats.org/presentationml/2006/main">
+  <p:cSld>
+    <p:spTree>
+      <p:nvGrpSpPr>
+        <p:cNvPr id="1" name=""/>
+        <p:cNvGrpSpPr/>
+        <p:nvPr/>
+      </p:nvGrpSpPr>
+      <p:grpSpPr>
+        <a:xfrm>
+          <a:off x="0" y="0"/>
+          <a:ext cx="0" cy="0"/>
+          <a:chOff x="0" y="0"/>
+          <a:chExt cx="0" cy="0"/>
+        </a:xfrm>
+      </p:grpSpPr>
+      <p:sp>
+        <p:nvSpPr>
+          <p:cNvPr id="2" name="標題 1"/>
+          <p:cNvSpPr>
+            <a:spLocks noGrp="1"/>
+          </p:cNvSpPr>
+          <p:nvPr>
+            <p:ph type="title"/>
+          </p:nvPr>
+        </p:nvSpPr>
+        <p:spPr/>
+        <p:txBody>
+          <a:bodyPr/>
+          <a:lstStyle/>
+          <a:p>
+            <a:r>
+              <a:rPr lang="zh-TW" altLang="en-US" dirty="0"/>
+              <a:t>登入網頁</a:t>
+            </a:r>
+          </a:p>
+        </p:txBody>
+      </p:sp>
+      <p:pic>
+        <p:nvPicPr>
+          <p:cNvPr id="5" name="圖片 4" descr="畫面剪輯"/>
+          <p:cNvPicPr>
+            <a:picLocks noChangeAspect="1"/>
+          </p:cNvPicPr>
+          <p:nvPr/>
+        </p:nvPicPr>
+        <p:blipFill>
+          <a:blip r:embed="rId2">
+            <a:extLst>
+              <a:ext uri="{28A0092B-C50C-407E-A947-70E740481C1C}">
+                <a14:useLocalDpi xmlns:a14="http://schemas.microsoft.com/office/drawing/2010/main" val="0"/>
+              </a:ext>
+            </a:extLst>
+          </a:blip>
+          <a:stretch>
+            <a:fillRect/>
+          </a:stretch>
+        </p:blipFill>
+        <p:spPr>
+          <a:xfrm>
+            <a:off x="0" y="1887230"/>
+            <a:ext cx="8970065" cy="3563999"/>
+          </a:xfrm>
+          <a:prstGeom prst="rect">
+            <a:avLst/>
+          </a:prstGeom>
+        </p:spPr>
+      </p:pic>
+      <p:pic>
+        <p:nvPicPr>
+          <p:cNvPr id="4" name="圖片 3" descr="畫面剪輯"/>
+          <p:cNvPicPr>
+            <a:picLocks noChangeAspect="1"/>
+          </p:cNvPicPr>
+          <p:nvPr/>
+        </p:nvPicPr>
+        <p:blipFill rotWithShape="1">
+          <a:blip r:embed="rId3">
+            <a:extLst>
+              <a:ext uri="{28A0092B-C50C-407E-A947-70E740481C1C}">
+                <a14:useLocalDpi xmlns:a14="http://schemas.microsoft.com/office/drawing/2010/main" val="0"/>
+              </a:ext>
+            </a:extLst>
+          </a:blip>
+          <a:srcRect b="49231"/>
+          <a:stretch/>
+        </p:blipFill>
+        <p:spPr>
+          <a:xfrm>
+            <a:off x="7725618" y="1380392"/>
+            <a:ext cx="4331549" cy="4800600"/>
+          </a:xfrm>
+          <a:prstGeom prst="rect">
+            <a:avLst/>
+          </a:prstGeom>
+          <a:ln w="28575">
+            <a:solidFill>
+              <a:schemeClr val="bg1"/>
+            </a:solidFill>
+          </a:ln>
+        </p:spPr>
+      </p:pic>
+    </p:spTree>
+    <p:extLst>
+      <p:ext uri="{BB962C8B-B14F-4D97-AF65-F5344CB8AC3E}">
+        <p14:creationId xmlns:p14="http://schemas.microsoft.com/office/powerpoint/2010/main" val="551499039"/>
+      </p:ext>
+    </p:extLst>
+  </p:cSld>
+  <p:clrMapOvr>
+    <a:masterClrMapping/>
+  </p:clrMapOvr>
+  <mc:AlternateContent xmlns:mc="http://schemas.openxmlformats.org/markup-compatibility/2006" xmlns:p14="http://schemas.microsoft.com/office/powerpoint/2010/main">
+    <mc:Choice Requires="p14">
+      <p:transition spd="slow" p14:dur="1500">
+        <p:random/>
+      </p:transition>
+    </mc:Choice>
+    <mc:Fallback xmlns="">
+      <p:transition spd="slow">
+        <p:random/>
+      </p:transition>
+    </mc:Fallback>
+  </mc:AlternateContent>
+</p:sld>
+</file>
+
+<file path=ppt/slides/slide18.xml><?xml version="1.0" encoding="utf-8"?>
+<p:sld xmlns:a="http://schemas.openxmlformats.org/drawingml/2006/main" xmlns:r="http://schemas.openxmlformats.org/officeDocument/2006/relationships" xmlns:p="http://schemas.openxmlformats.org/presentationml/2006/main">
+  <p:cSld>
+    <p:spTree>
+      <p:nvGrpSpPr>
+        <p:cNvPr id="1" name=""/>
+        <p:cNvGrpSpPr/>
+        <p:nvPr/>
+      </p:nvGrpSpPr>
+      <p:grpSpPr>
+        <a:xfrm>
+          <a:off x="0" y="0"/>
+          <a:ext cx="0" cy="0"/>
+          <a:chOff x="0" y="0"/>
+          <a:chExt cx="0" cy="0"/>
+        </a:xfrm>
+      </p:grpSpPr>
+      <p:sp>
+        <p:nvSpPr>
+          <p:cNvPr id="2" name="標題 1"/>
+          <p:cNvSpPr>
+            <a:spLocks noGrp="1"/>
+          </p:cNvSpPr>
+          <p:nvPr>
+            <p:ph type="title"/>
+          </p:nvPr>
+        </p:nvSpPr>
+        <p:spPr/>
+        <p:txBody>
+          <a:bodyPr/>
+          <a:lstStyle/>
+          <a:p>
+            <a:r>
+              <a:rPr lang="zh-TW" altLang="en-US" dirty="0"/>
+              <a:t>登入網頁</a:t>
+            </a:r>
+          </a:p>
+        </p:txBody>
+      </p:sp>
+      <p:pic>
+        <p:nvPicPr>
+          <p:cNvPr id="6" name="圖片 5" descr="畫面剪輯"/>
+          <p:cNvPicPr>
+            <a:picLocks noChangeAspect="1"/>
+          </p:cNvPicPr>
+          <p:nvPr/>
+        </p:nvPicPr>
+        <p:blipFill>
+          <a:blip r:embed="rId2">
+            <a:extLst>
+              <a:ext uri="{28A0092B-C50C-407E-A947-70E740481C1C}">
+                <a14:useLocalDpi xmlns:a14="http://schemas.microsoft.com/office/drawing/2010/main" val="0"/>
+              </a:ext>
+            </a:extLst>
+          </a:blip>
+          <a:stretch>
+            <a:fillRect/>
+          </a:stretch>
+        </p:blipFill>
+        <p:spPr>
+          <a:xfrm>
+            <a:off x="0" y="1887230"/>
+            <a:ext cx="8970065" cy="3563999"/>
+          </a:xfrm>
+          <a:prstGeom prst="rect">
+            <a:avLst/>
+          </a:prstGeom>
+        </p:spPr>
+      </p:pic>
+      <p:pic>
+        <p:nvPicPr>
+          <p:cNvPr id="4" name="圖片 3" descr="畫面剪輯"/>
+          <p:cNvPicPr>
+            <a:picLocks noChangeAspect="1"/>
+          </p:cNvPicPr>
+          <p:nvPr/>
+        </p:nvPicPr>
+        <p:blipFill rotWithShape="1">
+          <a:blip r:embed="rId3">
+            <a:extLst>
+              <a:ext uri="{28A0092B-C50C-407E-A947-70E740481C1C}">
+                <a14:useLocalDpi xmlns:a14="http://schemas.microsoft.com/office/drawing/2010/main" val="0"/>
+              </a:ext>
+            </a:extLst>
+          </a:blip>
+          <a:srcRect t="50385"/>
+          <a:stretch/>
+        </p:blipFill>
+        <p:spPr>
+          <a:xfrm>
+            <a:off x="7860647" y="1554162"/>
+            <a:ext cx="4237457" cy="4589584"/>
+          </a:xfrm>
+          <a:prstGeom prst="rect">
+            <a:avLst/>
+          </a:prstGeom>
+          <a:ln w="28575">
+            <a:solidFill>
+              <a:schemeClr val="bg1"/>
+            </a:solidFill>
+          </a:ln>
+        </p:spPr>
+      </p:pic>
+    </p:spTree>
+    <p:extLst>
+      <p:ext uri="{BB962C8B-B14F-4D97-AF65-F5344CB8AC3E}">
+        <p14:creationId xmlns:p14="http://schemas.microsoft.com/office/powerpoint/2010/main" val="4253524127"/>
+      </p:ext>
+    </p:extLst>
+  </p:cSld>
+  <p:clrMapOvr>
+    <a:masterClrMapping/>
+  </p:clrMapOvr>
+  <mc:AlternateContent xmlns:mc="http://schemas.openxmlformats.org/markup-compatibility/2006" xmlns:p14="http://schemas.microsoft.com/office/powerpoint/2010/main">
+    <mc:Choice Requires="p14">
+      <p:transition spd="slow" p14:dur="1500">
+        <p:random/>
+      </p:transition>
+    </mc:Choice>
+    <mc:Fallback xmlns="">
+      <p:transition spd="slow">
+        <p:random/>
+      </p:transition>
+    </mc:Fallback>
+  </mc:AlternateContent>
+</p:sld>
+</file>
+
+<file path=ppt/slides/slide19.xml><?xml version="1.0" encoding="utf-8"?>
+<p:sld xmlns:a="http://schemas.openxmlformats.org/drawingml/2006/main" xmlns:r="http://schemas.openxmlformats.org/officeDocument/2006/relationships" xmlns:p="http://schemas.openxmlformats.org/presentationml/2006/main">
+  <p:cSld>
+    <p:spTree>
+      <p:nvGrpSpPr>
+        <p:cNvPr id="1" name=""/>
+        <p:cNvGrpSpPr/>
+        <p:nvPr/>
+      </p:nvGrpSpPr>
+      <p:grpSpPr>
+        <a:xfrm>
+          <a:off x="0" y="0"/>
+          <a:ext cx="0" cy="0"/>
+          <a:chOff x="0" y="0"/>
+          <a:chExt cx="0" cy="0"/>
+        </a:xfrm>
+      </p:grpSpPr>
+      <p:sp>
+        <p:nvSpPr>
+          <p:cNvPr id="2" name="標題 1"/>
+          <p:cNvSpPr>
+            <a:spLocks noGrp="1"/>
+          </p:cNvSpPr>
+          <p:nvPr>
+            <p:ph type="title"/>
+          </p:nvPr>
+        </p:nvSpPr>
+        <p:spPr/>
+        <p:txBody>
+          <a:bodyPr/>
+          <a:lstStyle/>
+          <a:p>
+            <a:r>
+              <a:rPr lang="zh-TW" altLang="en-US" dirty="0" smtClean="0"/>
+              <a:t>註冊網頁</a:t>
+            </a:r>
+            <a:endParaRPr lang="zh-TW" altLang="en-US" dirty="0"/>
+          </a:p>
+        </p:txBody>
+      </p:sp>
+      <p:pic>
+        <p:nvPicPr>
+          <p:cNvPr id="6" name="內容版面配置區 5" descr="畫面剪輯"/>
+          <p:cNvPicPr>
+            <a:picLocks noGrp="1" noChangeAspect="1"/>
+          </p:cNvPicPr>
+          <p:nvPr>
+            <p:ph idx="1"/>
+          </p:nvPr>
+        </p:nvPicPr>
+        <p:blipFill>
+          <a:blip r:embed="rId2">
+            <a:extLst>
+              <a:ext uri="{28A0092B-C50C-407E-A947-70E740481C1C}">
+                <a14:useLocalDpi xmlns:a14="http://schemas.microsoft.com/office/drawing/2010/main" val="0"/>
+              </a:ext>
+            </a:extLst>
+          </a:blip>
+          <a:stretch>
+            <a:fillRect/>
+          </a:stretch>
+        </p:blipFill>
+        <p:spPr>
+          <a:xfrm>
+            <a:off x="2803578" y="1171108"/>
+            <a:ext cx="6484797" cy="5686892"/>
+          </a:xfrm>
+        </p:spPr>
+      </p:pic>
+    </p:spTree>
+    <p:extLst>
+      <p:ext uri="{BB962C8B-B14F-4D97-AF65-F5344CB8AC3E}">
+        <p14:creationId xmlns:p14="http://schemas.microsoft.com/office/powerpoint/2010/main" val="4292495976"/>
+      </p:ext>
+    </p:extLst>
+  </p:cSld>
+  <p:clrMapOvr>
+    <a:masterClrMapping/>
+  </p:clrMapOvr>
+  <mc:AlternateContent xmlns:mc="http://schemas.openxmlformats.org/markup-compatibility/2006" xmlns:p14="http://schemas.microsoft.com/office/powerpoint/2010/main">
+    <mc:Choice Requires="p14">
+      <p:transition spd="slow" p14:dur="1500">
+        <p:random/>
+      </p:transition>
+    </mc:Choice>
+    <mc:Fallback xmlns="">
+      <p:transition spd="slow">
+        <p:random/>
+      </p:transition>
+    </mc:Fallback>
+  </mc:AlternateContent>
+</p:sld>
+</file>
+
 <file path=ppt/slides/slide2.xml><?xml version="1.0" encoding="utf-8"?>
 <p:sld xmlns:a="http://schemas.openxmlformats.org/drawingml/2006/main" xmlns:r="http://schemas.openxmlformats.org/officeDocument/2006/relationships" xmlns:p="http://schemas.openxmlformats.org/presentationml/2006/main">
   <p:cSld>
@@ -6713,7 +8979,7 @@
         <p:spPr>
           <a:xfrm>
             <a:off x="1223930" y="1666876"/>
-            <a:ext cx="6240739" cy="4510088"/>
+            <a:ext cx="6240739" cy="4795470"/>
           </a:xfrm>
         </p:spPr>
         <p:txBody>
@@ -6721,65 +8987,6 @@
             <a:normAutofit/>
           </a:bodyPr>
           <a:lstStyle/>
-          <a:p>
-            <a:r>
-              <a:rPr lang="en-US" altLang="zh-TW" dirty="0"/>
-              <a:t>UI</a:t>
-            </a:r>
-            <a:r>
-              <a:rPr lang="zh-TW" altLang="en-US" dirty="0"/>
-              <a:t>優化</a:t>
-            </a:r>
-            <a:endParaRPr lang="en-US" altLang="zh-TW" dirty="0" smtClean="0"/>
-          </a:p>
-          <a:p>
-            <a:pPr lvl="1"/>
-            <a:r>
-              <a:rPr lang="zh-TW" altLang="en-US" dirty="0" smtClean="0"/>
-              <a:t>網頁頂部</a:t>
-            </a:r>
-            <a:r>
-              <a:rPr lang="en-US" altLang="zh-TW" dirty="0" smtClean="0"/>
-              <a:t>(</a:t>
-            </a:r>
-            <a:r>
-              <a:rPr lang="en-US" altLang="zh-TW" dirty="0" err="1" smtClean="0"/>
-              <a:t>Marst</a:t>
-            </a:r>
-            <a:r>
-              <a:rPr lang="en-US" altLang="zh-TW" dirty="0" smtClean="0"/>
-              <a:t> Page)</a:t>
-            </a:r>
-            <a:r>
-              <a:rPr lang="zh-TW" altLang="en-US" dirty="0" smtClean="0"/>
-              <a:t>選單</a:t>
-            </a:r>
-            <a:endParaRPr lang="en-US" altLang="zh-TW" dirty="0" smtClean="0"/>
-          </a:p>
-          <a:p>
-            <a:pPr lvl="1"/>
-            <a:r>
-              <a:rPr lang="zh-TW" altLang="en-US" dirty="0" smtClean="0"/>
-              <a:t>登入網頁</a:t>
-            </a:r>
-            <a:endParaRPr lang="en-US" altLang="zh-TW" dirty="0" smtClean="0"/>
-          </a:p>
-          <a:p>
-            <a:pPr lvl="1"/>
-            <a:r>
-              <a:rPr lang="zh-TW" altLang="en-US" dirty="0"/>
-              <a:t>註冊</a:t>
-            </a:r>
-            <a:r>
-              <a:rPr lang="zh-TW" altLang="en-US" dirty="0" smtClean="0"/>
-              <a:t>網頁</a:t>
-            </a:r>
-            <a:endParaRPr lang="en-US" altLang="zh-TW" dirty="0" smtClean="0"/>
-          </a:p>
-          <a:p>
-            <a:pPr lvl="1"/>
-            <a:endParaRPr lang="en-US" altLang="zh-TW" dirty="0" smtClean="0"/>
-          </a:p>
           <a:p>
             <a:r>
               <a:rPr lang="en-US" altLang="zh-TW" sz="2400" dirty="0"/>
@@ -6823,10 +9030,10 @@
               <a:buChar char="Ø"/>
             </a:pPr>
             <a:r>
-              <a:rPr lang="zh-TW" altLang="en-US" sz="2000" dirty="0" smtClean="0"/>
+              <a:rPr lang="zh-TW" altLang="en-US" sz="2000" dirty="0"/>
               <a:t>盒模型</a:t>
             </a:r>
-            <a:endParaRPr lang="en-US" altLang="zh-TW" sz="2000" dirty="0" smtClean="0"/>
+            <a:endParaRPr lang="en-US" altLang="zh-TW" sz="2000" dirty="0"/>
           </a:p>
           <a:p>
             <a:pPr lvl="1">
@@ -6834,12 +9041,8 @@
               <a:buChar char="Ø"/>
             </a:pPr>
             <a:r>
-              <a:rPr lang="zh-TW" altLang="en-US" sz="2000" dirty="0" smtClean="0"/>
-              <a:t>背景</a:t>
-            </a:r>
-            <a:r>
               <a:rPr lang="zh-TW" altLang="en-US" sz="2000" dirty="0"/>
-              <a:t>設定</a:t>
+              <a:t>背景設定</a:t>
             </a:r>
             <a:endParaRPr lang="en-US" altLang="zh-TW" sz="2000" dirty="0"/>
           </a:p>
@@ -6849,26 +9052,93 @@
               <a:buChar char="Ø"/>
             </a:pPr>
             <a:r>
-              <a:rPr lang="en-US" altLang="zh-TW" sz="2000" dirty="0"/>
-              <a:t>Display</a:t>
-            </a:r>
+              <a:rPr lang="en-US" altLang="zh-TW" sz="2000" dirty="0" smtClean="0"/>
+              <a:t>Display(</a:t>
+            </a:r>
+            <a:r>
+              <a:rPr lang="zh-TW" altLang="en-US" sz="2000" dirty="0" smtClean="0"/>
+              <a:t>顯示</a:t>
+            </a:r>
+            <a:r>
+              <a:rPr lang="en-US" altLang="zh-TW" sz="2000" dirty="0" smtClean="0"/>
+              <a:t>)</a:t>
+            </a:r>
+            <a:endParaRPr lang="en-US" altLang="zh-TW" sz="2000" dirty="0"/>
+          </a:p>
+          <a:p>
+            <a:endParaRPr lang="en-US" altLang="zh-TW" dirty="0" smtClean="0"/>
+          </a:p>
+          <a:p>
+            <a:r>
+              <a:rPr lang="en-US" altLang="zh-TW" dirty="0" smtClean="0"/>
+              <a:t>UI</a:t>
+            </a:r>
+            <a:r>
+              <a:rPr lang="zh-TW" altLang="en-US" dirty="0"/>
+              <a:t>優化</a:t>
+            </a:r>
+            <a:endParaRPr lang="en-US" altLang="zh-TW" dirty="0" smtClean="0"/>
+          </a:p>
+          <a:p>
+            <a:pPr lvl="1"/>
+            <a:r>
+              <a:rPr lang="zh-TW" altLang="en-US" dirty="0" smtClean="0"/>
+              <a:t>網頁頂部</a:t>
+            </a:r>
+            <a:r>
+              <a:rPr lang="en-US" altLang="zh-TW" dirty="0"/>
+              <a:t>(Master </a:t>
+            </a:r>
+            <a:r>
+              <a:rPr lang="en-US" altLang="zh-TW" dirty="0" smtClean="0"/>
+              <a:t>Page)</a:t>
+            </a:r>
+            <a:r>
+              <a:rPr lang="zh-TW" altLang="en-US" dirty="0" smtClean="0"/>
+              <a:t>選單</a:t>
+            </a:r>
+            <a:endParaRPr lang="en-US" altLang="zh-TW" dirty="0" smtClean="0"/>
+          </a:p>
+          <a:p>
+            <a:pPr lvl="1"/>
+            <a:r>
+              <a:rPr lang="zh-TW" altLang="en-US" dirty="0" smtClean="0"/>
+              <a:t>登入網頁</a:t>
+            </a:r>
+            <a:endParaRPr lang="en-US" altLang="zh-TW" dirty="0" smtClean="0"/>
+          </a:p>
+          <a:p>
+            <a:pPr lvl="1"/>
+            <a:r>
+              <a:rPr lang="zh-TW" altLang="en-US" dirty="0"/>
+              <a:t>註冊</a:t>
+            </a:r>
+            <a:r>
+              <a:rPr lang="zh-TW" altLang="en-US" dirty="0" smtClean="0"/>
+              <a:t>網頁</a:t>
+            </a:r>
+            <a:endParaRPr lang="en-US" altLang="zh-TW" dirty="0" smtClean="0"/>
           </a:p>
           <a:p>
             <a:pPr lvl="1"/>
             <a:endParaRPr lang="en-US" altLang="zh-TW" dirty="0" smtClean="0"/>
           </a:p>
           <a:p>
-            <a:endParaRPr lang="en-US" altLang="zh-TW" dirty="0" smtClean="0"/>
-          </a:p>
-          <a:p>
             <a:pPr lvl="1"/>
             <a:endParaRPr lang="en-US" altLang="zh-TW" dirty="0" smtClean="0"/>
           </a:p>
-        </p:txBody>
-      </p:sp>
-      <p:sp>
-        <p:nvSpPr>
-          <p:cNvPr id="4" name="內容版面配置區 5"/>
+          <a:p>
+            <a:endParaRPr lang="en-US" altLang="zh-TW" dirty="0" smtClean="0"/>
+          </a:p>
+          <a:p>
+            <a:pPr lvl="1"/>
+            <a:endParaRPr lang="en-US" altLang="zh-TW" dirty="0" smtClean="0"/>
+          </a:p>
+        </p:txBody>
+      </p:sp>
+      <p:sp>
+        <p:nvSpPr>
+          <p:cNvPr id="7" name="內容版面配置區 5"/>
           <p:cNvSpPr txBox="1">
             <a:spLocks/>
           </p:cNvSpPr>
@@ -6876,8 +9146,8 @@
         </p:nvSpPr>
         <p:spPr>
           <a:xfrm>
-            <a:off x="7693270" y="1952258"/>
-            <a:ext cx="2549769" cy="4510088"/>
+            <a:off x="3223281" y="2018569"/>
+            <a:ext cx="2984088" cy="1964347"/>
           </a:xfrm>
           <a:prstGeom prst="rect">
             <a:avLst/>
@@ -7052,73 +9322,68 @@
             </a:lvl9pPr>
           </a:lstStyle>
           <a:p>
-            <a:pPr>
+            <a:pPr marL="800100" lvl="1" indent="-342900">
               <a:buFont typeface="Wingdings" panose="05000000000000000000" pitchFamily="2" charset="2"/>
               <a:buChar char="Ø"/>
             </a:pPr>
-            <a:endParaRPr lang="zh-TW" altLang="en-US" sz="2400" dirty="0"/>
-          </a:p>
-        </p:txBody>
-      </p:sp>
-      <p:sp>
-        <p:nvSpPr>
-          <p:cNvPr id="8" name="矩形 7"/>
-          <p:cNvSpPr/>
-          <p:nvPr/>
-        </p:nvSpPr>
-        <p:spPr>
-          <a:xfrm>
-            <a:off x="3519854" y="4073129"/>
-            <a:ext cx="2019299" cy="1323439"/>
-          </a:xfrm>
-          <a:prstGeom prst="rect">
-            <a:avLst/>
-          </a:prstGeom>
-        </p:spPr>
-        <p:txBody>
-          <a:bodyPr wrap="square">
-            <a:spAutoFit/>
-          </a:bodyPr>
-          <a:lstStyle/>
-          <a:p>
-            <a:pPr marL="342900" indent="-342900">
+            <a:r>
+              <a:rPr lang="en-US" altLang="zh-TW" sz="2000" dirty="0" smtClean="0"/>
+              <a:t>Position(</a:t>
+            </a:r>
+            <a:r>
+              <a:rPr lang="zh-TW" altLang="en-US" sz="2000" dirty="0" smtClean="0"/>
+              <a:t>定位</a:t>
+            </a:r>
+            <a:r>
+              <a:rPr lang="en-US" altLang="zh-TW" sz="2000" dirty="0" smtClean="0"/>
+              <a:t>)</a:t>
+            </a:r>
+            <a:endParaRPr lang="zh-TW" altLang="en-US" sz="2000" dirty="0"/>
+          </a:p>
+          <a:p>
+            <a:pPr marL="800100" lvl="1" indent="-342900">
               <a:buFont typeface="Wingdings" panose="05000000000000000000" pitchFamily="2" charset="2"/>
               <a:buChar char="Ø"/>
             </a:pPr>
             <a:r>
-              <a:rPr lang="zh-TW" altLang="en-US" sz="2000" dirty="0"/>
-              <a:t>定位</a:t>
-            </a:r>
-          </a:p>
-          <a:p>
-            <a:pPr marL="342900" indent="-342900">
+              <a:rPr lang="zh-TW" altLang="en-US" sz="2000" dirty="0" smtClean="0"/>
+              <a:t>動畫效果</a:t>
+            </a:r>
+          </a:p>
+          <a:p>
+            <a:pPr marL="800100" lvl="1" indent="-342900">
               <a:buFont typeface="Wingdings" panose="05000000000000000000" pitchFamily="2" charset="2"/>
               <a:buChar char="Ø"/>
             </a:pPr>
             <a:r>
+              <a:rPr lang="zh-TW" altLang="en-US" sz="2000" dirty="0" smtClean="0"/>
+              <a:t>僞</a:t>
+            </a:r>
+            <a:r>
               <a:rPr lang="zh-TW" altLang="en-US" sz="2000" dirty="0"/>
-              <a:t>動畫效果</a:t>
-            </a:r>
-          </a:p>
-          <a:p>
-            <a:pPr marL="342900" indent="-342900">
-              <a:buFont typeface="Wingdings" panose="05000000000000000000" pitchFamily="2" charset="2"/>
-              <a:buChar char="Ø"/>
-            </a:pPr>
-            <a:r>
-              <a:rPr lang="zh-TW" altLang="en-US" sz="2000" dirty="0"/>
-              <a:t>僞類</a:t>
-            </a:r>
-          </a:p>
-          <a:p>
-            <a:pPr marL="342900" indent="-342900">
-              <a:buFont typeface="Wingdings" panose="05000000000000000000" pitchFamily="2" charset="2"/>
-              <a:buChar char="Ø"/>
-            </a:pPr>
-            <a:r>
-              <a:rPr lang="en-US" altLang="zh-TW" sz="2000" dirty="0"/>
-              <a:t>CSS Reset</a:t>
-            </a:r>
+              <a:t>類</a:t>
+            </a:r>
+          </a:p>
+          <a:p>
+            <a:endParaRPr lang="en-US" altLang="zh-TW" sz="2400" dirty="0" smtClean="0"/>
+          </a:p>
+          <a:p>
+            <a:endParaRPr lang="en-US" altLang="zh-TW" dirty="0" smtClean="0"/>
+          </a:p>
+          <a:p>
+            <a:pPr lvl="1"/>
+            <a:endParaRPr lang="en-US" altLang="zh-TW" dirty="0" smtClean="0"/>
+          </a:p>
+          <a:p>
+            <a:pPr lvl="1"/>
+            <a:endParaRPr lang="en-US" altLang="zh-TW" dirty="0" smtClean="0"/>
+          </a:p>
+          <a:p>
+            <a:endParaRPr lang="en-US" altLang="zh-TW" dirty="0" smtClean="0"/>
+          </a:p>
+          <a:p>
+            <a:pPr lvl="1"/>
+            <a:endParaRPr lang="en-US" altLang="zh-TW" dirty="0" smtClean="0"/>
           </a:p>
         </p:txBody>
       </p:sp>
@@ -7154,6 +9419,102 @@
 </p:sld>
 </file>
 
+<file path=ppt/slides/slide20.xml><?xml version="1.0" encoding="utf-8"?>
+<p:sld xmlns:a="http://schemas.openxmlformats.org/drawingml/2006/main" xmlns:r="http://schemas.openxmlformats.org/officeDocument/2006/relationships" xmlns:p="http://schemas.openxmlformats.org/presentationml/2006/main">
+  <p:cSld>
+    <p:spTree>
+      <p:nvGrpSpPr>
+        <p:cNvPr id="1" name=""/>
+        <p:cNvGrpSpPr/>
+        <p:nvPr/>
+      </p:nvGrpSpPr>
+      <p:grpSpPr>
+        <a:xfrm>
+          <a:off x="0" y="0"/>
+          <a:ext cx="0" cy="0"/>
+          <a:chOff x="0" y="0"/>
+          <a:chExt cx="0" cy="0"/>
+        </a:xfrm>
+      </p:grpSpPr>
+      <p:sp>
+        <p:nvSpPr>
+          <p:cNvPr id="2" name="標題 1"/>
+          <p:cNvSpPr>
+            <a:spLocks noGrp="1"/>
+          </p:cNvSpPr>
+          <p:nvPr>
+            <p:ph type="title"/>
+          </p:nvPr>
+        </p:nvSpPr>
+        <p:spPr/>
+        <p:txBody>
+          <a:bodyPr/>
+          <a:lstStyle/>
+          <a:p>
+            <a:r>
+              <a:rPr lang="en-US" altLang="zh-TW" dirty="0"/>
+              <a:t>Display(</a:t>
+            </a:r>
+            <a:r>
+              <a:rPr lang="zh-TW" altLang="en-US" dirty="0"/>
+              <a:t>顯示</a:t>
+            </a:r>
+            <a:r>
+              <a:rPr lang="en-US" altLang="zh-TW" dirty="0"/>
+              <a:t>)</a:t>
+            </a:r>
+            <a:endParaRPr lang="zh-TW" altLang="en-US" dirty="0"/>
+          </a:p>
+        </p:txBody>
+      </p:sp>
+      <p:sp>
+        <p:nvSpPr>
+          <p:cNvPr id="3" name="內容版面配置區 2"/>
+          <p:cNvSpPr>
+            <a:spLocks noGrp="1"/>
+          </p:cNvSpPr>
+          <p:nvPr>
+            <p:ph idx="1"/>
+          </p:nvPr>
+        </p:nvSpPr>
+        <p:spPr/>
+        <p:txBody>
+          <a:bodyPr/>
+          <a:lstStyle/>
+          <a:p>
+            <a:r>
+              <a:rPr lang="en-US" altLang="zh-TW" dirty="0" smtClean="0"/>
+              <a:t>flex</a:t>
+            </a:r>
+            <a:endParaRPr lang="zh-TW" altLang="en-US" dirty="0"/>
+          </a:p>
+        </p:txBody>
+      </p:sp>
+    </p:spTree>
+    <p:extLst>
+      <p:ext uri="{BB962C8B-B14F-4D97-AF65-F5344CB8AC3E}">
+        <p14:creationId xmlns:p14="http://schemas.microsoft.com/office/powerpoint/2010/main" val="944875781"/>
+      </p:ext>
+    </p:extLst>
+  </p:cSld>
+  <p:clrMapOvr>
+    <a:masterClrMapping/>
+  </p:clrMapOvr>
+  <mc:AlternateContent xmlns:mc="http://schemas.openxmlformats.org/markup-compatibility/2006" xmlns:p14="http://schemas.microsoft.com/office/powerpoint/2010/main">
+    <mc:Choice Requires="p14">
+      <p:transition spd="slow" p14:dur="1500">
+        <p:random/>
+      </p:transition>
+    </mc:Choice>
+    <mc:Fallback xmlns="">
+      <p:transition spd="slow">
+        <p:random/>
+      </p:transition>
+    </mc:Fallback>
+  </mc:AlternateContent>
+</p:sld>
+</file>
+
 <file path=ppt/slides/slide3.xml><?xml version="1.0" encoding="utf-8"?>
 <p:sld xmlns:a="http://schemas.openxmlformats.org/drawingml/2006/main" xmlns:r="http://schemas.openxmlformats.org/officeDocument/2006/relationships" xmlns:p="http://schemas.openxmlformats.org/presentationml/2006/main">
   <p:cSld>
@@ -7173,7 +9534,7 @@
       </p:grpSpPr>
       <p:sp>
         <p:nvSpPr>
-          <p:cNvPr id="4" name="標題 3"/>
+          <p:cNvPr id="2" name="標題 1"/>
           <p:cNvSpPr>
             <a:spLocks noGrp="1"/>
           </p:cNvSpPr>
@@ -7183,479 +9544,335 @@
         </p:nvSpPr>
         <p:spPr/>
         <p:txBody>
+          <a:bodyPr/>
+          <a:lstStyle/>
+          <a:p>
+            <a:r>
+              <a:rPr lang="zh-TW" altLang="en-US" dirty="0" smtClean="0"/>
+              <a:t>基本 </a:t>
+            </a:r>
+            <a:r>
+              <a:rPr lang="en-US" altLang="zh-TW" dirty="0" smtClean="0"/>
+              <a:t>CSS </a:t>
+            </a:r>
+            <a:r>
+              <a:rPr lang="zh-TW" altLang="en-US" dirty="0" smtClean="0"/>
+              <a:t>選擇器</a:t>
+            </a:r>
+            <a:r>
+              <a:rPr lang="en-US" altLang="zh-TW" dirty="0"/>
+              <a:t>(selector)</a:t>
+            </a:r>
+            <a:endParaRPr lang="zh-TW" altLang="en-US" dirty="0"/>
+          </a:p>
+        </p:txBody>
+      </p:sp>
+      <p:sp>
+        <p:nvSpPr>
+          <p:cNvPr id="3" name="內容版面配置區 2"/>
+          <p:cNvSpPr>
+            <a:spLocks noGrp="1"/>
+          </p:cNvSpPr>
+          <p:nvPr>
+            <p:ph idx="1"/>
+          </p:nvPr>
+        </p:nvSpPr>
+        <p:spPr>
+          <a:xfrm>
+            <a:off x="1223931" y="1666875"/>
+            <a:ext cx="2038016" cy="5111993"/>
+          </a:xfrm>
+        </p:spPr>
+        <p:txBody>
           <a:bodyPr>
             <a:normAutofit/>
           </a:bodyPr>
           <a:lstStyle/>
           <a:p>
+            <a:pPr marL="0" indent="0">
+              <a:buNone/>
+            </a:pPr>
             <a:r>
               <a:rPr lang="zh-TW" altLang="en-US" dirty="0"/>
-              <a:t>網頁頂部</a:t>
-            </a:r>
+              <a:t>標籤選擇</a:t>
+            </a:r>
+            <a:r>
+              <a:rPr lang="zh-TW" altLang="en-US" dirty="0" smtClean="0"/>
+              <a:t>器</a:t>
+            </a:r>
+            <a:endParaRPr lang="en-US" altLang="zh-TW" dirty="0" smtClean="0"/>
+          </a:p>
+          <a:p>
+            <a:pPr marL="457200" lvl="1" indent="0">
+              <a:buNone/>
+            </a:pPr>
+            <a:r>
+              <a:rPr lang="en-US" altLang="zh-TW" dirty="0" smtClean="0"/>
+              <a:t>A{</a:t>
+            </a:r>
+            <a:endParaRPr lang="en-US" altLang="zh-TW" dirty="0"/>
+          </a:p>
+          <a:p>
+            <a:pPr marL="457200" lvl="1" indent="0">
+              <a:buNone/>
+            </a:pPr>
+            <a:r>
+              <a:rPr lang="en-US" altLang="zh-TW" dirty="0" smtClean="0"/>
+              <a:t>}</a:t>
+            </a:r>
+          </a:p>
+          <a:p>
+            <a:pPr marL="457200" lvl="1" indent="0">
+              <a:buNone/>
+            </a:pPr>
+            <a:endParaRPr lang="en-US" altLang="zh-TW" dirty="0"/>
+          </a:p>
+          <a:p>
+            <a:pPr marL="0" indent="0">
+              <a:buNone/>
+            </a:pPr>
+            <a:r>
+              <a:rPr lang="zh-TW" altLang="en-US" dirty="0"/>
+              <a:t>類別選擇器</a:t>
+            </a:r>
+            <a:endParaRPr lang="en-US" altLang="zh-TW" dirty="0"/>
+          </a:p>
+          <a:p>
+            <a:pPr marL="457200" lvl="1" indent="0">
+              <a:buNone/>
+            </a:pPr>
+            <a:r>
+              <a:rPr lang="en-US" altLang="zh-TW" dirty="0" smtClean="0"/>
+              <a:t>.A{</a:t>
+            </a:r>
+            <a:endParaRPr lang="en-US" altLang="zh-TW" dirty="0"/>
+          </a:p>
+          <a:p>
+            <a:pPr marL="457200" lvl="1" indent="0">
+              <a:buNone/>
+            </a:pPr>
+            <a:r>
+              <a:rPr lang="en-US" altLang="zh-TW" dirty="0" smtClean="0"/>
+              <a:t>}</a:t>
+            </a:r>
+          </a:p>
+          <a:p>
+            <a:pPr marL="457200" lvl="1" indent="0">
+              <a:buNone/>
+            </a:pPr>
+            <a:endParaRPr lang="en-US" altLang="zh-TW" dirty="0"/>
+          </a:p>
+          <a:p>
+            <a:pPr marL="0" indent="0">
+              <a:buNone/>
+            </a:pPr>
             <a:r>
               <a:rPr lang="en-US" altLang="zh-TW" dirty="0"/>
-              <a:t>(</a:t>
-            </a:r>
-            <a:r>
-              <a:rPr lang="en-US" altLang="zh-TW" dirty="0" err="1"/>
-              <a:t>Marst</a:t>
+              <a:t>ID</a:t>
+            </a:r>
+            <a:r>
+              <a:rPr lang="zh-TW" altLang="en-US" dirty="0"/>
+              <a:t>選擇器</a:t>
+            </a:r>
+            <a:endParaRPr lang="en-US" altLang="zh-TW" dirty="0"/>
+          </a:p>
+          <a:p>
+            <a:pPr marL="457200" lvl="1" indent="0">
+              <a:buNone/>
+            </a:pPr>
+            <a:r>
+              <a:rPr lang="en-US" altLang="zh-TW" dirty="0" smtClean="0"/>
+              <a:t>#</a:t>
             </a:r>
             <a:r>
               <a:rPr lang="en-US" altLang="zh-TW" dirty="0"/>
-              <a:t> Page)</a:t>
-            </a:r>
-            <a:r>
-              <a:rPr lang="zh-TW" altLang="en-US" dirty="0"/>
-              <a:t>選單</a:t>
-            </a:r>
+              <a:t>A</a:t>
+            </a:r>
+            <a:r>
+              <a:rPr lang="en-US" altLang="zh-TW" dirty="0" smtClean="0"/>
+              <a:t>{</a:t>
+            </a:r>
+            <a:endParaRPr lang="en-US" altLang="zh-TW" dirty="0"/>
+          </a:p>
+          <a:p>
+            <a:pPr marL="457200" lvl="1" indent="0">
+              <a:buNone/>
+            </a:pPr>
+            <a:r>
+              <a:rPr lang="en-US" altLang="zh-TW" dirty="0"/>
+              <a:t>}</a:t>
+            </a:r>
+          </a:p>
+          <a:p>
             <a:endParaRPr lang="zh-TW" altLang="en-US" dirty="0"/>
           </a:p>
         </p:txBody>
       </p:sp>
       <p:sp>
         <p:nvSpPr>
-          <p:cNvPr id="20" name="矩形 19"/>
+          <p:cNvPr id="5" name="矩形 4"/>
           <p:cNvSpPr/>
           <p:nvPr/>
         </p:nvSpPr>
         <p:spPr>
           <a:xfrm>
-            <a:off x="3059544" y="2600936"/>
-            <a:ext cx="6312877" cy="3175609"/>
-          </a:xfrm>
-          <a:prstGeom prst="rect">
-            <a:avLst/>
-          </a:prstGeom>
-          <a:solidFill>
-            <a:schemeClr val="accent2"/>
-          </a:solidFill>
-          <a:ln w="28575">
-            <a:solidFill>
-              <a:schemeClr val="tx1"/>
-            </a:solidFill>
-          </a:ln>
-        </p:spPr>
-        <p:style>
-          <a:lnRef idx="2">
-            <a:schemeClr val="accent1">
-              <a:shade val="50000"/>
-            </a:schemeClr>
-          </a:lnRef>
-          <a:fillRef idx="1">
-            <a:schemeClr val="accent1"/>
-          </a:fillRef>
-          <a:effectRef idx="0">
-            <a:schemeClr val="accent1"/>
-          </a:effectRef>
-          <a:fontRef idx="minor">
-            <a:schemeClr val="lt1"/>
-          </a:fontRef>
-        </p:style>
-        <p:txBody>
-          <a:bodyPr rtlCol="0" anchor="ctr"/>
-          <a:lstStyle/>
-          <a:p>
-            <a:pPr algn="ctr"/>
-            <a:endParaRPr lang="zh-TW" altLang="en-US"/>
-          </a:p>
-        </p:txBody>
-      </p:sp>
-      <p:sp>
-        <p:nvSpPr>
-          <p:cNvPr id="21" name="矩形 20"/>
-          <p:cNvSpPr/>
-          <p:nvPr/>
-        </p:nvSpPr>
-        <p:spPr>
-          <a:xfrm>
-            <a:off x="3809821" y="2996712"/>
-            <a:ext cx="4812322" cy="2464776"/>
-          </a:xfrm>
-          <a:prstGeom prst="rect">
-            <a:avLst/>
-          </a:prstGeom>
-          <a:solidFill>
-            <a:schemeClr val="accent6"/>
-          </a:solidFill>
-          <a:ln w="28575">
-            <a:solidFill>
-              <a:schemeClr val="tx1"/>
-            </a:solidFill>
-          </a:ln>
-        </p:spPr>
-        <p:style>
-          <a:lnRef idx="2">
-            <a:schemeClr val="accent1">
-              <a:shade val="50000"/>
-            </a:schemeClr>
-          </a:lnRef>
-          <a:fillRef idx="1">
-            <a:schemeClr val="accent1"/>
-          </a:fillRef>
-          <a:effectRef idx="0">
-            <a:schemeClr val="accent1"/>
-          </a:effectRef>
-          <a:fontRef idx="minor">
-            <a:schemeClr val="lt1"/>
-          </a:fontRef>
-        </p:style>
-        <p:txBody>
-          <a:bodyPr rtlCol="0" anchor="ctr"/>
-          <a:lstStyle/>
-          <a:p>
-            <a:pPr algn="ctr"/>
-            <a:endParaRPr lang="zh-TW" altLang="en-US"/>
-          </a:p>
-        </p:txBody>
-      </p:sp>
-      <p:sp>
-        <p:nvSpPr>
-          <p:cNvPr id="22" name="向右箭號 21"/>
-          <p:cNvSpPr/>
-          <p:nvPr/>
-        </p:nvSpPr>
-        <p:spPr>
-          <a:xfrm>
-            <a:off x="2479253" y="4369776"/>
-            <a:ext cx="955429" cy="465993"/>
-          </a:xfrm>
-          <a:prstGeom prst="rightArrow">
-            <a:avLst/>
-          </a:prstGeom>
-          <a:solidFill>
-            <a:schemeClr val="tx1"/>
-          </a:solidFill>
-          <a:ln>
-            <a:solidFill>
-              <a:schemeClr val="tx1"/>
-            </a:solidFill>
-          </a:ln>
-        </p:spPr>
-        <p:style>
-          <a:lnRef idx="2">
-            <a:schemeClr val="accent1">
-              <a:shade val="50000"/>
-            </a:schemeClr>
-          </a:lnRef>
-          <a:fillRef idx="1">
-            <a:schemeClr val="accent1"/>
-          </a:fillRef>
-          <a:effectRef idx="0">
-            <a:schemeClr val="accent1"/>
-          </a:effectRef>
-          <a:fontRef idx="minor">
-            <a:schemeClr val="lt1"/>
-          </a:fontRef>
-        </p:style>
-        <p:txBody>
-          <a:bodyPr rtlCol="0" anchor="ctr"/>
-          <a:lstStyle/>
-          <a:p>
-            <a:pPr algn="ctr"/>
-            <a:endParaRPr lang="zh-TW" altLang="en-US"/>
-          </a:p>
-        </p:txBody>
-      </p:sp>
-      <p:sp>
-        <p:nvSpPr>
-          <p:cNvPr id="23" name="矩形 22"/>
-          <p:cNvSpPr/>
-          <p:nvPr/>
-        </p:nvSpPr>
-        <p:spPr>
-          <a:xfrm>
-            <a:off x="986537" y="4447266"/>
-            <a:ext cx="1492716" cy="369332"/>
+            <a:off x="4164623" y="1569670"/>
+            <a:ext cx="3212123" cy="3108543"/>
           </a:xfrm>
           <a:prstGeom prst="rect">
             <a:avLst/>
           </a:prstGeom>
         </p:spPr>
         <p:txBody>
-          <a:bodyPr wrap="none">
+          <a:bodyPr wrap="square">
             <a:spAutoFit/>
           </a:bodyPr>
           <a:lstStyle/>
           <a:p>
             <a:r>
-              <a:rPr lang="en-US" altLang="zh-TW" dirty="0"/>
-              <a:t>Master Page</a:t>
-            </a:r>
-            <a:endParaRPr lang="zh-TW" altLang="en-US" dirty="0"/>
-          </a:p>
-        </p:txBody>
-      </p:sp>
-      <p:sp>
-        <p:nvSpPr>
-          <p:cNvPr id="24" name="向右箭號 23"/>
+              <a:rPr lang="zh-TW" altLang="en-US" sz="2800" dirty="0"/>
+              <a:t>子對象選擇</a:t>
+            </a:r>
+            <a:r>
+              <a:rPr lang="zh-TW" altLang="en-US" sz="2800" dirty="0" smtClean="0"/>
+              <a:t>器</a:t>
+            </a:r>
+            <a:endParaRPr lang="en-US" altLang="zh-TW" sz="2800" dirty="0" smtClean="0"/>
+          </a:p>
+          <a:p>
+            <a:pPr lvl="1"/>
+            <a:r>
+              <a:rPr lang="en-US" altLang="zh-TW" sz="2800" dirty="0" smtClean="0"/>
+              <a:t>A</a:t>
+            </a:r>
+            <a:r>
+              <a:rPr lang="zh-TW" altLang="en-US" sz="2800" dirty="0" smtClean="0"/>
+              <a:t> </a:t>
+            </a:r>
+            <a:r>
+              <a:rPr lang="en-US" altLang="zh-TW" sz="2800" dirty="0" smtClean="0"/>
+              <a:t>B{</a:t>
+            </a:r>
+          </a:p>
+          <a:p>
+            <a:pPr lvl="1"/>
+            <a:r>
+              <a:rPr lang="en-US" altLang="zh-TW" sz="2800" dirty="0" smtClean="0"/>
+              <a:t>}</a:t>
+            </a:r>
+          </a:p>
+          <a:p>
+            <a:pPr lvl="1"/>
+            <a:endParaRPr lang="en-US" altLang="zh-TW" sz="2800" dirty="0"/>
+          </a:p>
+          <a:p>
+            <a:r>
+              <a:rPr lang="zh-TW" altLang="en-US" sz="2800" dirty="0"/>
+              <a:t>子對象選擇器</a:t>
+            </a:r>
+            <a:endParaRPr lang="en-US" altLang="zh-TW" sz="2800" dirty="0"/>
+          </a:p>
+          <a:p>
+            <a:pPr lvl="1"/>
+            <a:r>
+              <a:rPr lang="en-US" altLang="zh-TW" sz="2800" dirty="0" smtClean="0"/>
+              <a:t>A&gt;B{</a:t>
+            </a:r>
+            <a:endParaRPr lang="en-US" altLang="zh-TW" sz="2800" dirty="0"/>
+          </a:p>
+          <a:p>
+            <a:pPr lvl="1"/>
+            <a:r>
+              <a:rPr lang="en-US" altLang="zh-TW" sz="2800" dirty="0" smtClean="0"/>
+              <a:t>}</a:t>
+            </a:r>
+          </a:p>
+        </p:txBody>
+      </p:sp>
+      <p:sp>
+        <p:nvSpPr>
+          <p:cNvPr id="6" name="矩形 5"/>
           <p:cNvSpPr/>
           <p:nvPr/>
         </p:nvSpPr>
         <p:spPr>
-          <a:xfrm rot="10800000">
-            <a:off x="8308552" y="3996103"/>
-            <a:ext cx="1518871" cy="465993"/>
-          </a:xfrm>
-          <a:prstGeom prst="rightArrow">
-            <a:avLst/>
-          </a:prstGeom>
-          <a:solidFill>
-            <a:schemeClr val="tx1"/>
-          </a:solidFill>
-          <a:ln>
-            <a:solidFill>
-              <a:schemeClr val="tx1"/>
-            </a:solidFill>
-          </a:ln>
-        </p:spPr>
-        <p:style>
-          <a:lnRef idx="2">
-            <a:schemeClr val="accent1">
-              <a:shade val="50000"/>
-            </a:schemeClr>
-          </a:lnRef>
-          <a:fillRef idx="1">
-            <a:schemeClr val="accent1"/>
-          </a:fillRef>
-          <a:effectRef idx="0">
-            <a:schemeClr val="accent1"/>
-          </a:effectRef>
-          <a:fontRef idx="minor">
-            <a:schemeClr val="lt1"/>
-          </a:fontRef>
-        </p:style>
-        <p:txBody>
-          <a:bodyPr rtlCol="0" anchor="ctr"/>
-          <a:lstStyle/>
-          <a:p>
-            <a:pPr algn="ctr"/>
-            <a:endParaRPr lang="zh-TW" altLang="en-US"/>
-          </a:p>
-        </p:txBody>
-      </p:sp>
-      <p:sp>
-        <p:nvSpPr>
-          <p:cNvPr id="25" name="矩形 24"/>
-          <p:cNvSpPr/>
-          <p:nvPr/>
-        </p:nvSpPr>
-        <p:spPr>
           <a:xfrm>
-            <a:off x="9934316" y="4035641"/>
-            <a:ext cx="1257717" cy="369332"/>
+            <a:off x="7376746" y="1569670"/>
+            <a:ext cx="2974731" cy="3539430"/>
           </a:xfrm>
           <a:prstGeom prst="rect">
             <a:avLst/>
           </a:prstGeom>
         </p:spPr>
         <p:txBody>
-          <a:bodyPr wrap="none">
+          <a:bodyPr wrap="square">
             <a:spAutoFit/>
           </a:bodyPr>
           <a:lstStyle/>
           <a:p>
             <a:r>
-              <a:rPr lang="en-US" altLang="zh-TW" dirty="0" smtClean="0"/>
-              <a:t>Web </a:t>
-            </a:r>
-            <a:r>
-              <a:rPr lang="en-US" altLang="zh-TW" dirty="0"/>
-              <a:t>Page</a:t>
-            </a:r>
-            <a:endParaRPr lang="zh-TW" altLang="en-US" dirty="0"/>
-          </a:p>
-        </p:txBody>
-      </p:sp>
-      <p:sp>
-        <p:nvSpPr>
-          <p:cNvPr id="11" name="矩形 10"/>
-          <p:cNvSpPr/>
-          <p:nvPr/>
-        </p:nvSpPr>
-        <p:spPr>
-          <a:xfrm>
-            <a:off x="3919724" y="3119628"/>
-            <a:ext cx="646331" cy="369332"/>
-          </a:xfrm>
-          <a:prstGeom prst="rect">
-            <a:avLst/>
-          </a:prstGeom>
-        </p:spPr>
-        <p:txBody>
-          <a:bodyPr wrap="none">
-            <a:spAutoFit/>
-          </a:bodyPr>
-          <a:lstStyle/>
-          <a:p>
-            <a:r>
-              <a:rPr lang="zh-TW" altLang="en-US" dirty="0"/>
-              <a:t>首頁</a:t>
-            </a:r>
-          </a:p>
-        </p:txBody>
-      </p:sp>
-      <p:sp>
-        <p:nvSpPr>
-          <p:cNvPr id="12" name="矩形 11"/>
-          <p:cNvSpPr/>
-          <p:nvPr/>
-        </p:nvSpPr>
-        <p:spPr>
-          <a:xfrm>
-            <a:off x="3179706" y="2621521"/>
-            <a:ext cx="3647152" cy="369332"/>
-          </a:xfrm>
-          <a:prstGeom prst="rect">
-            <a:avLst/>
-          </a:prstGeom>
-        </p:spPr>
-        <p:txBody>
-          <a:bodyPr wrap="none">
-            <a:spAutoFit/>
-          </a:bodyPr>
-          <a:lstStyle/>
-          <a:p>
-            <a:r>
-              <a:rPr lang="zh-TW" altLang="en-US" dirty="0" smtClean="0"/>
-              <a:t>不用登入就可以瀏覽的</a:t>
-            </a:r>
-            <a:r>
-              <a:rPr lang="en-US" altLang="zh-TW" dirty="0" err="1" smtClean="0"/>
-              <a:t>marst</a:t>
-            </a:r>
-            <a:r>
-              <a:rPr lang="zh-TW" altLang="en-US" dirty="0" smtClean="0"/>
-              <a:t> </a:t>
-            </a:r>
-            <a:r>
-              <a:rPr lang="en-US" altLang="zh-TW" dirty="0" smtClean="0"/>
-              <a:t>page</a:t>
-            </a:r>
-            <a:endParaRPr lang="zh-TW" altLang="en-US" dirty="0"/>
-          </a:p>
-        </p:txBody>
-      </p:sp>
-      <p:sp>
-        <p:nvSpPr>
-          <p:cNvPr id="13" name="向右箭號 12"/>
-          <p:cNvSpPr/>
-          <p:nvPr/>
-        </p:nvSpPr>
-        <p:spPr>
-          <a:xfrm rot="5400000">
-            <a:off x="7735617" y="2225890"/>
-            <a:ext cx="653499" cy="492369"/>
-          </a:xfrm>
-          <a:prstGeom prst="rightArrow">
-            <a:avLst/>
-          </a:prstGeom>
-          <a:solidFill>
-            <a:schemeClr val="accent1"/>
-          </a:solidFill>
-          <a:ln>
-            <a:solidFill>
-              <a:schemeClr val="tx1"/>
-            </a:solidFill>
-          </a:ln>
-        </p:spPr>
-        <p:style>
-          <a:lnRef idx="2">
-            <a:schemeClr val="accent1">
-              <a:shade val="50000"/>
-            </a:schemeClr>
-          </a:lnRef>
-          <a:fillRef idx="1">
-            <a:schemeClr val="accent1"/>
-          </a:fillRef>
-          <a:effectRef idx="0">
-            <a:schemeClr val="accent1"/>
-          </a:effectRef>
-          <a:fontRef idx="minor">
-            <a:schemeClr val="lt1"/>
-          </a:fontRef>
-        </p:style>
-        <p:txBody>
-          <a:bodyPr rtlCol="0" anchor="ctr"/>
-          <a:lstStyle/>
-          <a:p>
-            <a:pPr algn="ctr"/>
-            <a:endParaRPr lang="zh-TW" altLang="en-US"/>
-          </a:p>
-        </p:txBody>
-      </p:sp>
-      <p:sp>
-        <p:nvSpPr>
-          <p:cNvPr id="2" name="矩形 1"/>
-          <p:cNvSpPr/>
-          <p:nvPr/>
-        </p:nvSpPr>
-        <p:spPr>
-          <a:xfrm>
-            <a:off x="6037612" y="1638263"/>
-            <a:ext cx="4049507" cy="461665"/>
-          </a:xfrm>
-          <a:prstGeom prst="rect">
-            <a:avLst/>
-          </a:prstGeom>
-        </p:spPr>
-        <p:txBody>
-          <a:bodyPr wrap="none">
-            <a:spAutoFit/>
-          </a:bodyPr>
-          <a:lstStyle/>
-          <a:p>
-            <a:r>
-              <a:rPr lang="en-US" altLang="zh-TW" sz="2400" dirty="0" smtClean="0">
-                <a:solidFill>
-                  <a:srgbClr val="FF0000"/>
-                </a:solidFill>
-              </a:rPr>
-              <a:t>CSS </a:t>
-            </a:r>
-            <a:r>
-              <a:rPr lang="zh-TW" altLang="en-US" sz="2400" dirty="0" smtClean="0">
-                <a:solidFill>
-                  <a:srgbClr val="FF0000"/>
-                </a:solidFill>
-              </a:rPr>
-              <a:t>美化</a:t>
-            </a:r>
-            <a:r>
-              <a:rPr lang="en-US" altLang="zh-TW" sz="2400" dirty="0" smtClean="0">
-                <a:solidFill>
-                  <a:srgbClr val="FF0000"/>
-                </a:solidFill>
-              </a:rPr>
-              <a:t> Master Page</a:t>
-            </a:r>
-            <a:r>
-              <a:rPr lang="zh-TW" altLang="en-US" sz="2400" dirty="0">
-                <a:solidFill>
-                  <a:srgbClr val="FF0000"/>
-                </a:solidFill>
-              </a:rPr>
-              <a:t> </a:t>
-            </a:r>
-            <a:r>
-              <a:rPr lang="zh-TW" altLang="en-US" sz="2400" dirty="0" smtClean="0">
-                <a:solidFill>
-                  <a:srgbClr val="FF0000"/>
-                </a:solidFill>
-              </a:rPr>
-              <a:t>選單</a:t>
-            </a:r>
-            <a:endParaRPr lang="zh-TW" altLang="en-US" sz="2400" dirty="0">
-              <a:solidFill>
-                <a:srgbClr val="FF0000"/>
-              </a:solidFill>
-            </a:endParaRPr>
+              <a:rPr lang="zh-TW" altLang="en-US" sz="2800" dirty="0"/>
+              <a:t>相鄰兄弟選擇器</a:t>
+            </a:r>
+            <a:endParaRPr lang="en-US" altLang="zh-TW" sz="2800" dirty="0"/>
+          </a:p>
+          <a:p>
+            <a:pPr lvl="1"/>
+            <a:r>
+              <a:rPr lang="en-US" altLang="zh-TW" sz="2800" dirty="0"/>
+              <a:t>A+B{</a:t>
+            </a:r>
+          </a:p>
+          <a:p>
+            <a:pPr lvl="1"/>
+            <a:r>
+              <a:rPr lang="en-US" altLang="zh-TW" sz="2800" dirty="0" smtClean="0"/>
+              <a:t>}</a:t>
+            </a:r>
+          </a:p>
+          <a:p>
+            <a:pPr lvl="1"/>
+            <a:endParaRPr lang="en-US" altLang="zh-TW" sz="2800" dirty="0" smtClean="0"/>
+          </a:p>
+          <a:p>
+            <a:r>
+              <a:rPr lang="zh-TW" altLang="en-US" sz="2800" dirty="0" smtClean="0"/>
+              <a:t>一般兄弟</a:t>
+            </a:r>
+            <a:r>
+              <a:rPr lang="zh-TW" altLang="en-US" sz="2800" dirty="0"/>
+              <a:t>選擇器</a:t>
+            </a:r>
+            <a:endParaRPr lang="en-US" altLang="zh-TW" sz="2800" dirty="0"/>
+          </a:p>
+          <a:p>
+            <a:pPr lvl="1"/>
+            <a:r>
+              <a:rPr lang="en-US" altLang="zh-TW" sz="2800" dirty="0" smtClean="0"/>
+              <a:t>A~B</a:t>
+            </a:r>
+            <a:r>
+              <a:rPr lang="en-US" altLang="zh-TW" sz="2800" dirty="0"/>
+              <a:t>{</a:t>
+            </a:r>
+          </a:p>
+          <a:p>
+            <a:pPr lvl="1"/>
+            <a:r>
+              <a:rPr lang="en-US" altLang="zh-TW" sz="2800" dirty="0"/>
+              <a:t>}</a:t>
+            </a:r>
+          </a:p>
+          <a:p>
+            <a:pPr lvl="1"/>
+            <a:endParaRPr lang="en-US" altLang="zh-TW" sz="2800" dirty="0"/>
           </a:p>
         </p:txBody>
       </p:sp>
     </p:spTree>
     <p:extLst>
       <p:ext uri="{BB962C8B-B14F-4D97-AF65-F5344CB8AC3E}">
-        <p14:creationId xmlns:p14="http://schemas.microsoft.com/office/powerpoint/2010/main" val="2858525652"/>
+        <p14:creationId xmlns:p14="http://schemas.microsoft.com/office/powerpoint/2010/main" val="4056893781"/>
       </p:ext>
     </p:extLst>
   </p:cSld>
@@ -7710,6 +9927,743 @@
           <a:lstStyle/>
           <a:p>
             <a:r>
+              <a:rPr lang="zh-TW" altLang="en-US" dirty="0" smtClean="0"/>
+              <a:t>練習</a:t>
+            </a:r>
+            <a:r>
+              <a:rPr lang="zh-TW" altLang="en-US" dirty="0"/>
+              <a:t>基本 </a:t>
+            </a:r>
+            <a:r>
+              <a:rPr lang="en-US" altLang="zh-TW" dirty="0"/>
+              <a:t>CSS </a:t>
+            </a:r>
+            <a:r>
+              <a:rPr lang="zh-TW" altLang="en-US" dirty="0"/>
+              <a:t>選擇器</a:t>
+            </a:r>
+          </a:p>
+        </p:txBody>
+      </p:sp>
+      <p:sp>
+        <p:nvSpPr>
+          <p:cNvPr id="5" name="內容版面配置區 4"/>
+          <p:cNvSpPr>
+            <a:spLocks noGrp="1"/>
+          </p:cNvSpPr>
+          <p:nvPr>
+            <p:ph idx="1"/>
+          </p:nvPr>
+        </p:nvSpPr>
+        <p:spPr>
+          <a:xfrm>
+            <a:off x="4510454" y="1666876"/>
+            <a:ext cx="6357571" cy="4510088"/>
+          </a:xfrm>
+        </p:spPr>
+        <p:txBody>
+          <a:bodyPr>
+            <a:normAutofit lnSpcReduction="10000"/>
+          </a:bodyPr>
+          <a:lstStyle/>
+          <a:p>
+            <a:r>
+              <a:rPr lang="zh-TW" altLang="en-US" dirty="0" smtClean="0"/>
+              <a:t>選擇</a:t>
+            </a:r>
+            <a:r>
+              <a:rPr lang="zh-TW" altLang="en-US" dirty="0"/>
+              <a:t>全部</a:t>
+            </a:r>
+            <a:r>
+              <a:rPr lang="en-US" altLang="zh-TW" dirty="0" smtClean="0"/>
+              <a:t>div</a:t>
+            </a:r>
+          </a:p>
+          <a:p>
+            <a:r>
+              <a:rPr lang="zh-TW" altLang="en-US" dirty="0" smtClean="0"/>
+              <a:t>選擇</a:t>
+            </a:r>
+            <a:r>
+              <a:rPr lang="en-US" altLang="zh-TW" dirty="0" smtClean="0"/>
+              <a:t>class</a:t>
+            </a:r>
+            <a:r>
+              <a:rPr lang="zh-TW" altLang="en-US" dirty="0" smtClean="0"/>
+              <a:t>為</a:t>
+            </a:r>
+            <a:r>
+              <a:rPr lang="en-US" altLang="zh-TW" dirty="0" smtClean="0"/>
+              <a:t>box</a:t>
+            </a:r>
+          </a:p>
+          <a:p>
+            <a:r>
+              <a:rPr lang="zh-TW" altLang="en-US" dirty="0" smtClean="0"/>
+              <a:t>選擇</a:t>
+            </a:r>
+            <a:r>
+              <a:rPr lang="en-US" altLang="zh-TW" dirty="0" smtClean="0"/>
+              <a:t>ID</a:t>
+            </a:r>
+            <a:r>
+              <a:rPr lang="zh-TW" altLang="en-US" dirty="0" smtClean="0"/>
+              <a:t>為</a:t>
+            </a:r>
+            <a:r>
+              <a:rPr lang="en-US" altLang="zh-TW" dirty="0" smtClean="0"/>
+              <a:t>box2</a:t>
+            </a:r>
+          </a:p>
+          <a:p>
+            <a:endParaRPr lang="en-US" altLang="zh-TW" dirty="0"/>
+          </a:p>
+          <a:p>
+            <a:r>
+              <a:rPr lang="zh-TW" altLang="en-US" dirty="0" smtClean="0"/>
+              <a:t>選擇</a:t>
+            </a:r>
+            <a:r>
+              <a:rPr lang="en-US" altLang="zh-TW" dirty="0" smtClean="0"/>
+              <a:t>ID</a:t>
+            </a:r>
+            <a:r>
+              <a:rPr lang="zh-TW" altLang="en-US" dirty="0" smtClean="0"/>
+              <a:t>為</a:t>
+            </a:r>
+            <a:r>
+              <a:rPr lang="en-US" altLang="zh-TW" dirty="0" smtClean="0"/>
+              <a:t>box2</a:t>
+            </a:r>
+            <a:r>
+              <a:rPr lang="zh-TW" altLang="en-US" dirty="0" smtClean="0"/>
+              <a:t>裡面全部</a:t>
+            </a:r>
+            <a:r>
+              <a:rPr lang="en-US" altLang="zh-TW" dirty="0" err="1" smtClean="0"/>
+              <a:t>ul</a:t>
+            </a:r>
+            <a:r>
+              <a:rPr lang="zh-TW" altLang="en-US" dirty="0" smtClean="0"/>
+              <a:t>的標籤</a:t>
+            </a:r>
+            <a:endParaRPr lang="en-US" altLang="zh-TW" dirty="0" smtClean="0"/>
+          </a:p>
+          <a:p>
+            <a:r>
+              <a:rPr lang="zh-TW" altLang="en-US" dirty="0" smtClean="0"/>
+              <a:t>選擇</a:t>
+            </a:r>
+            <a:r>
+              <a:rPr lang="en-US" altLang="zh-TW" dirty="0"/>
+              <a:t>class</a:t>
+            </a:r>
+            <a:r>
+              <a:rPr lang="zh-TW" altLang="en-US" dirty="0"/>
+              <a:t>為</a:t>
+            </a:r>
+            <a:r>
+              <a:rPr lang="en-US" altLang="zh-TW" dirty="0" smtClean="0"/>
+              <a:t>box</a:t>
+            </a:r>
+            <a:r>
+              <a:rPr lang="zh-TW" altLang="en-US" dirty="0" smtClean="0"/>
+              <a:t>裡面子層為</a:t>
+            </a:r>
+            <a:r>
+              <a:rPr lang="en-US" altLang="zh-TW" dirty="0" err="1" smtClean="0"/>
+              <a:t>ul</a:t>
+            </a:r>
+            <a:r>
+              <a:rPr lang="zh-TW" altLang="en-US" dirty="0"/>
+              <a:t>的</a:t>
+            </a:r>
+            <a:r>
+              <a:rPr lang="zh-TW" altLang="en-US" dirty="0" smtClean="0"/>
+              <a:t>標籤</a:t>
+            </a:r>
+            <a:endParaRPr lang="zh-TW" altLang="en-US" dirty="0"/>
+          </a:p>
+          <a:p>
+            <a:endParaRPr lang="en-US" altLang="zh-TW" dirty="0" smtClean="0"/>
+          </a:p>
+          <a:p>
+            <a:r>
+              <a:rPr lang="zh-TW" altLang="en-US" dirty="0" smtClean="0"/>
+              <a:t>選擇</a:t>
+            </a:r>
+            <a:r>
+              <a:rPr lang="zh-TW" altLang="en-US" dirty="0"/>
+              <a:t>與</a:t>
+            </a:r>
+            <a:r>
+              <a:rPr lang="en-US" altLang="zh-TW" dirty="0" smtClean="0"/>
+              <a:t>div</a:t>
+            </a:r>
+            <a:r>
+              <a:rPr lang="zh-TW" altLang="en-US" dirty="0" smtClean="0"/>
+              <a:t>緊鄰的</a:t>
+            </a:r>
+            <a:r>
+              <a:rPr lang="en-US" altLang="zh-TW" dirty="0" err="1"/>
+              <a:t>ul</a:t>
+            </a:r>
+            <a:r>
+              <a:rPr lang="zh-TW" altLang="en-US" dirty="0" smtClean="0"/>
+              <a:t>標籤</a:t>
+            </a:r>
+            <a:endParaRPr lang="en-US" altLang="zh-TW" dirty="0" smtClean="0"/>
+          </a:p>
+          <a:p>
+            <a:r>
+              <a:rPr lang="zh-TW" altLang="en-US" dirty="0"/>
+              <a:t>選擇與</a:t>
+            </a:r>
+            <a:r>
+              <a:rPr lang="en-US" altLang="zh-TW" dirty="0" smtClean="0"/>
+              <a:t>div</a:t>
+            </a:r>
+            <a:r>
+              <a:rPr lang="zh-TW" altLang="en-US" dirty="0" smtClean="0"/>
+              <a:t>同一層的</a:t>
+            </a:r>
+            <a:r>
+              <a:rPr lang="en-US" altLang="zh-TW" dirty="0" err="1"/>
+              <a:t>ul</a:t>
+            </a:r>
+            <a:r>
+              <a:rPr lang="zh-TW" altLang="en-US" dirty="0" smtClean="0"/>
+              <a:t>標籤</a:t>
+            </a:r>
+            <a:endParaRPr lang="zh-TW" altLang="en-US" dirty="0"/>
+          </a:p>
+          <a:p>
+            <a:endParaRPr lang="zh-TW" altLang="en-US" dirty="0"/>
+          </a:p>
+          <a:p>
+            <a:endParaRPr lang="zh-TW" altLang="en-US" dirty="0"/>
+          </a:p>
+        </p:txBody>
+      </p:sp>
+      <p:pic>
+        <p:nvPicPr>
+          <p:cNvPr id="7" name="圖片 6" descr="畫面剪輯"/>
+          <p:cNvPicPr>
+            <a:picLocks noChangeAspect="1"/>
+          </p:cNvPicPr>
+          <p:nvPr/>
+        </p:nvPicPr>
+        <p:blipFill>
+          <a:blip r:embed="rId2">
+            <a:extLst>
+              <a:ext uri="{28A0092B-C50C-407E-A947-70E740481C1C}">
+                <a14:useLocalDpi xmlns:a14="http://schemas.microsoft.com/office/drawing/2010/main" val="0"/>
+              </a:ext>
+            </a:extLst>
+          </a:blip>
+          <a:stretch>
+            <a:fillRect/>
+          </a:stretch>
+        </p:blipFill>
+        <p:spPr>
+          <a:xfrm>
+            <a:off x="1223930" y="1554162"/>
+            <a:ext cx="3005170" cy="4971515"/>
+          </a:xfrm>
+          <a:prstGeom prst="rect">
+            <a:avLst/>
+          </a:prstGeom>
+        </p:spPr>
+      </p:pic>
+    </p:spTree>
+    <p:extLst>
+      <p:ext uri="{BB962C8B-B14F-4D97-AF65-F5344CB8AC3E}">
+        <p14:creationId xmlns:p14="http://schemas.microsoft.com/office/powerpoint/2010/main" val="2976310102"/>
+      </p:ext>
+    </p:extLst>
+  </p:cSld>
+  <p:clrMapOvr>
+    <a:masterClrMapping/>
+  </p:clrMapOvr>
+  <mc:AlternateContent xmlns:mc="http://schemas.openxmlformats.org/markup-compatibility/2006" xmlns:p14="http://schemas.microsoft.com/office/powerpoint/2010/main">
+    <mc:Choice Requires="p14">
+      <p:transition spd="slow" p14:dur="1500">
+        <p:random/>
+      </p:transition>
+    </mc:Choice>
+    <mc:Fallback xmlns="">
+      <p:transition spd="slow">
+        <p:random/>
+      </p:transition>
+    </mc:Fallback>
+  </mc:AlternateContent>
+</p:sld>
+</file>
+
+<file path=ppt/slides/slide5.xml><?xml version="1.0" encoding="utf-8"?>
+<p:sld xmlns:a="http://schemas.openxmlformats.org/drawingml/2006/main" xmlns:r="http://schemas.openxmlformats.org/officeDocument/2006/relationships" xmlns:p="http://schemas.openxmlformats.org/presentationml/2006/main">
+  <p:cSld>
+    <p:spTree>
+      <p:nvGrpSpPr>
+        <p:cNvPr id="1" name=""/>
+        <p:cNvGrpSpPr/>
+        <p:nvPr/>
+      </p:nvGrpSpPr>
+      <p:grpSpPr>
+        <a:xfrm>
+          <a:off x="0" y="0"/>
+          <a:ext cx="0" cy="0"/>
+          <a:chOff x="0" y="0"/>
+          <a:chExt cx="0" cy="0"/>
+        </a:xfrm>
+      </p:grpSpPr>
+      <p:sp>
+        <p:nvSpPr>
+          <p:cNvPr id="2" name="標題 1"/>
+          <p:cNvSpPr>
+            <a:spLocks noGrp="1"/>
+          </p:cNvSpPr>
+          <p:nvPr>
+            <p:ph type="title"/>
+          </p:nvPr>
+        </p:nvSpPr>
+        <p:spPr/>
+        <p:txBody>
+          <a:bodyPr/>
+          <a:lstStyle/>
+          <a:p>
+            <a:r>
+              <a:rPr lang="zh-TW" altLang="en-US" dirty="0" smtClean="0"/>
+              <a:t>盒模型</a:t>
+            </a:r>
+            <a:endParaRPr lang="zh-TW" altLang="en-US" dirty="0"/>
+          </a:p>
+        </p:txBody>
+      </p:sp>
+      <p:sp>
+        <p:nvSpPr>
+          <p:cNvPr id="3" name="內容版面配置區 2"/>
+          <p:cNvSpPr>
+            <a:spLocks noGrp="1"/>
+          </p:cNvSpPr>
+          <p:nvPr>
+            <p:ph idx="1"/>
+          </p:nvPr>
+        </p:nvSpPr>
+        <p:spPr/>
+        <p:txBody>
+          <a:bodyPr/>
+          <a:lstStyle/>
+          <a:p>
+            <a:r>
+              <a:rPr lang="en-US" altLang="zh-TW" dirty="0"/>
+              <a:t>w</a:t>
+            </a:r>
+            <a:r>
+              <a:rPr lang="en-US" altLang="zh-TW" dirty="0" smtClean="0"/>
+              <a:t>idth + height</a:t>
+            </a:r>
+          </a:p>
+          <a:p>
+            <a:r>
+              <a:rPr lang="en-US" altLang="zh-TW" dirty="0" smtClean="0"/>
+              <a:t>padding</a:t>
+            </a:r>
+          </a:p>
+          <a:p>
+            <a:r>
+              <a:rPr lang="en-US" altLang="zh-TW" dirty="0" smtClean="0"/>
+              <a:t>border</a:t>
+            </a:r>
+          </a:p>
+          <a:p>
+            <a:r>
+              <a:rPr lang="en-US" altLang="zh-TW" dirty="0" smtClean="0"/>
+              <a:t>margin</a:t>
+            </a:r>
+            <a:endParaRPr lang="zh-TW" altLang="en-US" dirty="0"/>
+          </a:p>
+        </p:txBody>
+      </p:sp>
+      <p:pic>
+        <p:nvPicPr>
+          <p:cNvPr id="5" name="圖片 4" descr="畫面剪輯"/>
+          <p:cNvPicPr>
+            <a:picLocks noChangeAspect="1"/>
+          </p:cNvPicPr>
+          <p:nvPr/>
+        </p:nvPicPr>
+        <p:blipFill>
+          <a:blip r:embed="rId2">
+            <a:extLst>
+              <a:ext uri="{28A0092B-C50C-407E-A947-70E740481C1C}">
+                <a14:useLocalDpi xmlns:a14="http://schemas.microsoft.com/office/drawing/2010/main" val="0"/>
+              </a:ext>
+            </a:extLst>
+          </a:blip>
+          <a:stretch>
+            <a:fillRect/>
+          </a:stretch>
+        </p:blipFill>
+        <p:spPr>
+          <a:xfrm>
+            <a:off x="5769702" y="1628018"/>
+            <a:ext cx="3609072" cy="4587804"/>
+          </a:xfrm>
+          <a:prstGeom prst="rect">
+            <a:avLst/>
+          </a:prstGeom>
+        </p:spPr>
+      </p:pic>
+    </p:spTree>
+    <p:extLst>
+      <p:ext uri="{BB962C8B-B14F-4D97-AF65-F5344CB8AC3E}">
+        <p14:creationId xmlns:p14="http://schemas.microsoft.com/office/powerpoint/2010/main" val="3313670530"/>
+      </p:ext>
+    </p:extLst>
+  </p:cSld>
+  <p:clrMapOvr>
+    <a:masterClrMapping/>
+  </p:clrMapOvr>
+  <mc:AlternateContent xmlns:mc="http://schemas.openxmlformats.org/markup-compatibility/2006" xmlns:p14="http://schemas.microsoft.com/office/powerpoint/2010/main">
+    <mc:Choice Requires="p14">
+      <p:transition spd="slow" p14:dur="1500">
+        <p:random/>
+      </p:transition>
+    </mc:Choice>
+    <mc:Fallback xmlns="">
+      <p:transition spd="slow">
+        <p:random/>
+      </p:transition>
+    </mc:Fallback>
+  </mc:AlternateContent>
+</p:sld>
+</file>
+
+<file path=ppt/slides/slide6.xml><?xml version="1.0" encoding="utf-8"?>
+<p:sld xmlns:a="http://schemas.openxmlformats.org/drawingml/2006/main" xmlns:r="http://schemas.openxmlformats.org/officeDocument/2006/relationships" xmlns:p="http://schemas.openxmlformats.org/presentationml/2006/main">
+  <p:cSld>
+    <p:spTree>
+      <p:nvGrpSpPr>
+        <p:cNvPr id="1" name=""/>
+        <p:cNvGrpSpPr/>
+        <p:nvPr/>
+      </p:nvGrpSpPr>
+      <p:grpSpPr>
+        <a:xfrm>
+          <a:off x="0" y="0"/>
+          <a:ext cx="0" cy="0"/>
+          <a:chOff x="0" y="0"/>
+          <a:chExt cx="0" cy="0"/>
+        </a:xfrm>
+      </p:grpSpPr>
+      <p:sp>
+        <p:nvSpPr>
+          <p:cNvPr id="2" name="標題 1"/>
+          <p:cNvSpPr>
+            <a:spLocks noGrp="1"/>
+          </p:cNvSpPr>
+          <p:nvPr>
+            <p:ph type="title"/>
+          </p:nvPr>
+        </p:nvSpPr>
+        <p:spPr/>
+        <p:txBody>
+          <a:bodyPr/>
+          <a:lstStyle/>
+          <a:p>
+            <a:r>
+              <a:rPr lang="en-US" altLang="zh-TW" dirty="0" smtClean="0"/>
+              <a:t>Display(</a:t>
+            </a:r>
+            <a:r>
+              <a:rPr lang="zh-TW" altLang="en-US" dirty="0" smtClean="0"/>
+              <a:t>顯示</a:t>
+            </a:r>
+            <a:r>
+              <a:rPr lang="en-US" altLang="zh-TW" dirty="0" smtClean="0"/>
+              <a:t>)</a:t>
+            </a:r>
+            <a:endParaRPr lang="zh-TW" altLang="en-US" dirty="0"/>
+          </a:p>
+        </p:txBody>
+      </p:sp>
+      <p:sp>
+        <p:nvSpPr>
+          <p:cNvPr id="3" name="內容版面配置區 2"/>
+          <p:cNvSpPr>
+            <a:spLocks noGrp="1"/>
+          </p:cNvSpPr>
+          <p:nvPr>
+            <p:ph idx="1"/>
+          </p:nvPr>
+        </p:nvSpPr>
+        <p:spPr/>
+        <p:txBody>
+          <a:bodyPr/>
+          <a:lstStyle/>
+          <a:p>
+            <a:r>
+              <a:rPr lang="en-US" altLang="zh-TW" dirty="0" smtClean="0"/>
+              <a:t>Inline</a:t>
+            </a:r>
+          </a:p>
+          <a:p>
+            <a:r>
+              <a:rPr lang="en-US" altLang="zh-TW" dirty="0" smtClean="0"/>
+              <a:t>block</a:t>
+            </a:r>
+          </a:p>
+          <a:p>
+            <a:r>
+              <a:rPr lang="en-US" altLang="zh-TW" dirty="0" smtClean="0"/>
+              <a:t>inline-block</a:t>
+            </a:r>
+          </a:p>
+          <a:p>
+            <a:r>
+              <a:rPr lang="en-US" altLang="zh-TW" dirty="0" smtClean="0"/>
+              <a:t>none</a:t>
+            </a:r>
+            <a:endParaRPr lang="en-US" altLang="zh-TW" dirty="0" smtClean="0"/>
+          </a:p>
+        </p:txBody>
+      </p:sp>
+      <p:pic>
+        <p:nvPicPr>
+          <p:cNvPr id="4" name="圖片 3" descr="畫面剪輯"/>
+          <p:cNvPicPr>
+            <a:picLocks noChangeAspect="1"/>
+          </p:cNvPicPr>
+          <p:nvPr/>
+        </p:nvPicPr>
+        <p:blipFill>
+          <a:blip r:embed="rId2">
+            <a:extLst>
+              <a:ext uri="{28A0092B-C50C-407E-A947-70E740481C1C}">
+                <a14:useLocalDpi xmlns:a14="http://schemas.microsoft.com/office/drawing/2010/main" val="0"/>
+              </a:ext>
+            </a:extLst>
+          </a:blip>
+          <a:stretch>
+            <a:fillRect/>
+          </a:stretch>
+        </p:blipFill>
+        <p:spPr>
+          <a:xfrm>
+            <a:off x="5547766" y="1554162"/>
+            <a:ext cx="3297296" cy="4582272"/>
+          </a:xfrm>
+          <a:prstGeom prst="rect">
+            <a:avLst/>
+          </a:prstGeom>
+        </p:spPr>
+      </p:pic>
+    </p:spTree>
+    <p:extLst>
+      <p:ext uri="{BB962C8B-B14F-4D97-AF65-F5344CB8AC3E}">
+        <p14:creationId xmlns:p14="http://schemas.microsoft.com/office/powerpoint/2010/main" val="384752458"/>
+      </p:ext>
+    </p:extLst>
+  </p:cSld>
+  <p:clrMapOvr>
+    <a:masterClrMapping/>
+  </p:clrMapOvr>
+  <mc:AlternateContent xmlns:mc="http://schemas.openxmlformats.org/markup-compatibility/2006" xmlns:p14="http://schemas.microsoft.com/office/powerpoint/2010/main">
+    <mc:Choice Requires="p14">
+      <p:transition spd="slow" p14:dur="1500">
+        <p:random/>
+      </p:transition>
+    </mc:Choice>
+    <mc:Fallback xmlns="">
+      <p:transition spd="slow">
+        <p:random/>
+      </p:transition>
+    </mc:Fallback>
+  </mc:AlternateContent>
+</p:sld>
+</file>
+
+<file path=ppt/slides/slide7.xml><?xml version="1.0" encoding="utf-8"?>
+<p:sld xmlns:a="http://schemas.openxmlformats.org/drawingml/2006/main" xmlns:r="http://schemas.openxmlformats.org/officeDocument/2006/relationships" xmlns:p="http://schemas.openxmlformats.org/presentationml/2006/main">
+  <p:cSld>
+    <p:spTree>
+      <p:nvGrpSpPr>
+        <p:cNvPr id="1" name=""/>
+        <p:cNvGrpSpPr/>
+        <p:nvPr/>
+      </p:nvGrpSpPr>
+      <p:grpSpPr>
+        <a:xfrm>
+          <a:off x="0" y="0"/>
+          <a:ext cx="0" cy="0"/>
+          <a:chOff x="0" y="0"/>
+          <a:chExt cx="0" cy="0"/>
+        </a:xfrm>
+      </p:grpSpPr>
+      <p:sp>
+        <p:nvSpPr>
+          <p:cNvPr id="2" name="標題 1"/>
+          <p:cNvSpPr>
+            <a:spLocks noGrp="1"/>
+          </p:cNvSpPr>
+          <p:nvPr>
+            <p:ph type="title"/>
+          </p:nvPr>
+        </p:nvSpPr>
+        <p:spPr/>
+        <p:txBody>
+          <a:bodyPr/>
+          <a:lstStyle/>
+          <a:p>
+            <a:r>
+              <a:rPr lang="zh-TW" altLang="en-US" dirty="0" smtClean="0"/>
+              <a:t>文字</a:t>
+            </a:r>
+            <a:r>
+              <a:rPr lang="zh-TW" altLang="en-US" dirty="0"/>
+              <a:t>相關</a:t>
+            </a:r>
+            <a:r>
+              <a:rPr lang="zh-TW" altLang="en-US" dirty="0" smtClean="0"/>
+              <a:t>設定</a:t>
+            </a:r>
+            <a:endParaRPr lang="zh-TW" altLang="en-US" dirty="0"/>
+          </a:p>
+        </p:txBody>
+      </p:sp>
+      <p:sp>
+        <p:nvSpPr>
+          <p:cNvPr id="3" name="內容版面配置區 2"/>
+          <p:cNvSpPr>
+            <a:spLocks noGrp="1"/>
+          </p:cNvSpPr>
+          <p:nvPr>
+            <p:ph idx="1"/>
+          </p:nvPr>
+        </p:nvSpPr>
+        <p:spPr/>
+        <p:txBody>
+          <a:bodyPr/>
+          <a:lstStyle/>
+          <a:p>
+            <a:r>
+              <a:rPr lang="en-US" altLang="zh-TW" dirty="0" smtClean="0"/>
+              <a:t>font-size</a:t>
+            </a:r>
+          </a:p>
+          <a:p>
+            <a:r>
+              <a:rPr lang="en-US" altLang="zh-TW" dirty="0" smtClean="0"/>
+              <a:t>color</a:t>
+            </a:r>
+          </a:p>
+          <a:p>
+            <a:r>
+              <a:rPr lang="en-US" altLang="zh-TW" dirty="0" smtClean="0"/>
+              <a:t>text-decoration</a:t>
+            </a:r>
+          </a:p>
+          <a:p>
+            <a:r>
+              <a:rPr lang="en-US" altLang="zh-TW" dirty="0"/>
+              <a:t>text-align</a:t>
+            </a:r>
+            <a:endParaRPr lang="zh-TW" altLang="en-US" dirty="0"/>
+          </a:p>
+        </p:txBody>
+      </p:sp>
+      <p:pic>
+        <p:nvPicPr>
+          <p:cNvPr id="4" name="圖片 3" descr="畫面剪輯"/>
+          <p:cNvPicPr>
+            <a:picLocks noChangeAspect="1"/>
+          </p:cNvPicPr>
+          <p:nvPr/>
+        </p:nvPicPr>
+        <p:blipFill>
+          <a:blip r:embed="rId2">
+            <a:extLst>
+              <a:ext uri="{28A0092B-C50C-407E-A947-70E740481C1C}">
+                <a14:useLocalDpi xmlns:a14="http://schemas.microsoft.com/office/drawing/2010/main" val="0"/>
+              </a:ext>
+            </a:extLst>
+          </a:blip>
+          <a:stretch>
+            <a:fillRect/>
+          </a:stretch>
+        </p:blipFill>
+        <p:spPr>
+          <a:xfrm>
+            <a:off x="5285465" y="958015"/>
+            <a:ext cx="3577182" cy="5218949"/>
+          </a:xfrm>
+          <a:prstGeom prst="rect">
+            <a:avLst/>
+          </a:prstGeom>
+        </p:spPr>
+      </p:pic>
+    </p:spTree>
+    <p:extLst>
+      <p:ext uri="{BB962C8B-B14F-4D97-AF65-F5344CB8AC3E}">
+        <p14:creationId xmlns:p14="http://schemas.microsoft.com/office/powerpoint/2010/main" val="2105936343"/>
+      </p:ext>
+    </p:extLst>
+  </p:cSld>
+  <p:clrMapOvr>
+    <a:masterClrMapping/>
+  </p:clrMapOvr>
+  <mc:AlternateContent xmlns:mc="http://schemas.openxmlformats.org/markup-compatibility/2006" xmlns:p14="http://schemas.microsoft.com/office/powerpoint/2010/main">
+    <mc:Choice Requires="p14">
+      <p:transition spd="slow" p14:dur="1500">
+        <p:random/>
+      </p:transition>
+    </mc:Choice>
+    <mc:Fallback xmlns="">
+      <p:transition spd="slow">
+        <p:random/>
+      </p:transition>
+    </mc:Fallback>
+  </mc:AlternateContent>
+</p:sld>
+</file>
+
+<file path=ppt/slides/slide8.xml><?xml version="1.0" encoding="utf-8"?>
+<p:sld xmlns:a="http://schemas.openxmlformats.org/drawingml/2006/main" xmlns:r="http://schemas.openxmlformats.org/officeDocument/2006/relationships" xmlns:p="http://schemas.openxmlformats.org/presentationml/2006/main">
+  <p:cSld>
+    <p:spTree>
+      <p:nvGrpSpPr>
+        <p:cNvPr id="1" name=""/>
+        <p:cNvGrpSpPr/>
+        <p:nvPr/>
+      </p:nvGrpSpPr>
+      <p:grpSpPr>
+        <a:xfrm>
+          <a:off x="0" y="0"/>
+          <a:ext cx="0" cy="0"/>
+          <a:chOff x="0" y="0"/>
+          <a:chExt cx="0" cy="0"/>
+        </a:xfrm>
+      </p:grpSpPr>
+      <p:sp>
+        <p:nvSpPr>
+          <p:cNvPr id="4" name="標題 3"/>
+          <p:cNvSpPr>
+            <a:spLocks noGrp="1"/>
+          </p:cNvSpPr>
+          <p:nvPr>
+            <p:ph type="title"/>
+          </p:nvPr>
+        </p:nvSpPr>
+        <p:spPr/>
+        <p:txBody>
+          <a:bodyPr>
+            <a:normAutofit/>
+          </a:bodyPr>
+          <a:lstStyle/>
+          <a:p>
+            <a:r>
               <a:rPr lang="zh-TW" altLang="en-US" dirty="0"/>
               <a:t>網頁頂部</a:t>
             </a:r>
@@ -7718,12 +10672,532 @@
               <a:t>(</a:t>
             </a:r>
             <a:r>
-              <a:rPr lang="en-US" altLang="zh-TW" dirty="0" err="1"/>
-              <a:t>Marst</a:t>
+              <a:rPr lang="en-US" altLang="zh-TW" dirty="0" smtClean="0"/>
+              <a:t>Master </a:t>
             </a:r>
             <a:r>
               <a:rPr lang="en-US" altLang="zh-TW" dirty="0"/>
-              <a:t> Page)</a:t>
+              <a:t>Page)</a:t>
+            </a:r>
+            <a:r>
+              <a:rPr lang="zh-TW" altLang="en-US" dirty="0"/>
+              <a:t>選單</a:t>
+            </a:r>
+          </a:p>
+        </p:txBody>
+      </p:sp>
+      <p:sp>
+        <p:nvSpPr>
+          <p:cNvPr id="20" name="矩形 19"/>
+          <p:cNvSpPr/>
+          <p:nvPr/>
+        </p:nvSpPr>
+        <p:spPr>
+          <a:xfrm>
+            <a:off x="3059544" y="2600936"/>
+            <a:ext cx="6312877" cy="3175609"/>
+          </a:xfrm>
+          <a:prstGeom prst="rect">
+            <a:avLst/>
+          </a:prstGeom>
+          <a:solidFill>
+            <a:schemeClr val="accent2"/>
+          </a:solidFill>
+          <a:ln w="28575">
+            <a:solidFill>
+              <a:schemeClr val="tx1"/>
+            </a:solidFill>
+          </a:ln>
+        </p:spPr>
+        <p:style>
+          <a:lnRef idx="2">
+            <a:schemeClr val="accent1">
+              <a:shade val="50000"/>
+            </a:schemeClr>
+          </a:lnRef>
+          <a:fillRef idx="1">
+            <a:schemeClr val="accent1"/>
+          </a:fillRef>
+          <a:effectRef idx="0">
+            <a:schemeClr val="accent1"/>
+          </a:effectRef>
+          <a:fontRef idx="minor">
+            <a:schemeClr val="lt1"/>
+          </a:fontRef>
+        </p:style>
+        <p:txBody>
+          <a:bodyPr rtlCol="0" anchor="ctr"/>
+          <a:lstStyle/>
+          <a:p>
+            <a:pPr algn="ctr"/>
+            <a:endParaRPr lang="zh-TW" altLang="en-US"/>
+          </a:p>
+        </p:txBody>
+      </p:sp>
+      <p:sp>
+        <p:nvSpPr>
+          <p:cNvPr id="21" name="矩形 20"/>
+          <p:cNvSpPr/>
+          <p:nvPr/>
+        </p:nvSpPr>
+        <p:spPr>
+          <a:xfrm>
+            <a:off x="3809821" y="2996712"/>
+            <a:ext cx="4812322" cy="2464776"/>
+          </a:xfrm>
+          <a:prstGeom prst="rect">
+            <a:avLst/>
+          </a:prstGeom>
+          <a:solidFill>
+            <a:schemeClr val="accent6"/>
+          </a:solidFill>
+          <a:ln w="28575">
+            <a:solidFill>
+              <a:schemeClr val="tx1"/>
+            </a:solidFill>
+          </a:ln>
+        </p:spPr>
+        <p:style>
+          <a:lnRef idx="2">
+            <a:schemeClr val="accent1">
+              <a:shade val="50000"/>
+            </a:schemeClr>
+          </a:lnRef>
+          <a:fillRef idx="1">
+            <a:schemeClr val="accent1"/>
+          </a:fillRef>
+          <a:effectRef idx="0">
+            <a:schemeClr val="accent1"/>
+          </a:effectRef>
+          <a:fontRef idx="minor">
+            <a:schemeClr val="lt1"/>
+          </a:fontRef>
+        </p:style>
+        <p:txBody>
+          <a:bodyPr rtlCol="0" anchor="ctr"/>
+          <a:lstStyle/>
+          <a:p>
+            <a:pPr algn="ctr"/>
+            <a:endParaRPr lang="zh-TW" altLang="en-US"/>
+          </a:p>
+        </p:txBody>
+      </p:sp>
+      <p:sp>
+        <p:nvSpPr>
+          <p:cNvPr id="22" name="向右箭號 21"/>
+          <p:cNvSpPr/>
+          <p:nvPr/>
+        </p:nvSpPr>
+        <p:spPr>
+          <a:xfrm>
+            <a:off x="2479253" y="4369776"/>
+            <a:ext cx="955429" cy="465993"/>
+          </a:xfrm>
+          <a:prstGeom prst="rightArrow">
+            <a:avLst/>
+          </a:prstGeom>
+          <a:solidFill>
+            <a:schemeClr val="tx1"/>
+          </a:solidFill>
+          <a:ln>
+            <a:solidFill>
+              <a:schemeClr val="tx1"/>
+            </a:solidFill>
+          </a:ln>
+        </p:spPr>
+        <p:style>
+          <a:lnRef idx="2">
+            <a:schemeClr val="accent1">
+              <a:shade val="50000"/>
+            </a:schemeClr>
+          </a:lnRef>
+          <a:fillRef idx="1">
+            <a:schemeClr val="accent1"/>
+          </a:fillRef>
+          <a:effectRef idx="0">
+            <a:schemeClr val="accent1"/>
+          </a:effectRef>
+          <a:fontRef idx="minor">
+            <a:schemeClr val="lt1"/>
+          </a:fontRef>
+        </p:style>
+        <p:txBody>
+          <a:bodyPr rtlCol="0" anchor="ctr"/>
+          <a:lstStyle/>
+          <a:p>
+            <a:pPr algn="ctr"/>
+            <a:endParaRPr lang="zh-TW" altLang="en-US"/>
+          </a:p>
+        </p:txBody>
+      </p:sp>
+      <p:sp>
+        <p:nvSpPr>
+          <p:cNvPr id="23" name="矩形 22"/>
+          <p:cNvSpPr/>
+          <p:nvPr/>
+        </p:nvSpPr>
+        <p:spPr>
+          <a:xfrm>
+            <a:off x="986537" y="4447266"/>
+            <a:ext cx="1492716" cy="369332"/>
+          </a:xfrm>
+          <a:prstGeom prst="rect">
+            <a:avLst/>
+          </a:prstGeom>
+        </p:spPr>
+        <p:txBody>
+          <a:bodyPr wrap="none">
+            <a:spAutoFit/>
+          </a:bodyPr>
+          <a:lstStyle/>
+          <a:p>
+            <a:r>
+              <a:rPr lang="en-US" altLang="zh-TW" dirty="0"/>
+              <a:t>Master Page</a:t>
+            </a:r>
+            <a:endParaRPr lang="zh-TW" altLang="en-US" dirty="0"/>
+          </a:p>
+        </p:txBody>
+      </p:sp>
+      <p:sp>
+        <p:nvSpPr>
+          <p:cNvPr id="24" name="向右箭號 23"/>
+          <p:cNvSpPr/>
+          <p:nvPr/>
+        </p:nvSpPr>
+        <p:spPr>
+          <a:xfrm rot="10800000">
+            <a:off x="8308552" y="3996103"/>
+            <a:ext cx="1518871" cy="465993"/>
+          </a:xfrm>
+          <a:prstGeom prst="rightArrow">
+            <a:avLst/>
+          </a:prstGeom>
+          <a:solidFill>
+            <a:schemeClr val="tx1"/>
+          </a:solidFill>
+          <a:ln>
+            <a:solidFill>
+              <a:schemeClr val="tx1"/>
+            </a:solidFill>
+          </a:ln>
+        </p:spPr>
+        <p:style>
+          <a:lnRef idx="2">
+            <a:schemeClr val="accent1">
+              <a:shade val="50000"/>
+            </a:schemeClr>
+          </a:lnRef>
+          <a:fillRef idx="1">
+            <a:schemeClr val="accent1"/>
+          </a:fillRef>
+          <a:effectRef idx="0">
+            <a:schemeClr val="accent1"/>
+          </a:effectRef>
+          <a:fontRef idx="minor">
+            <a:schemeClr val="lt1"/>
+          </a:fontRef>
+        </p:style>
+        <p:txBody>
+          <a:bodyPr rtlCol="0" anchor="ctr"/>
+          <a:lstStyle/>
+          <a:p>
+            <a:pPr algn="ctr"/>
+            <a:endParaRPr lang="zh-TW" altLang="en-US"/>
+          </a:p>
+        </p:txBody>
+      </p:sp>
+      <p:sp>
+        <p:nvSpPr>
+          <p:cNvPr id="25" name="矩形 24"/>
+          <p:cNvSpPr/>
+          <p:nvPr/>
+        </p:nvSpPr>
+        <p:spPr>
+          <a:xfrm>
+            <a:off x="9934316" y="4035641"/>
+            <a:ext cx="1257717" cy="369332"/>
+          </a:xfrm>
+          <a:prstGeom prst="rect">
+            <a:avLst/>
+          </a:prstGeom>
+        </p:spPr>
+        <p:txBody>
+          <a:bodyPr wrap="none">
+            <a:spAutoFit/>
+          </a:bodyPr>
+          <a:lstStyle/>
+          <a:p>
+            <a:r>
+              <a:rPr lang="en-US" altLang="zh-TW" dirty="0" smtClean="0"/>
+              <a:t>Web </a:t>
+            </a:r>
+            <a:r>
+              <a:rPr lang="en-US" altLang="zh-TW" dirty="0"/>
+              <a:t>Page</a:t>
+            </a:r>
+            <a:endParaRPr lang="zh-TW" altLang="en-US" dirty="0"/>
+          </a:p>
+        </p:txBody>
+      </p:sp>
+      <p:sp>
+        <p:nvSpPr>
+          <p:cNvPr id="11" name="矩形 10"/>
+          <p:cNvSpPr/>
+          <p:nvPr/>
+        </p:nvSpPr>
+        <p:spPr>
+          <a:xfrm>
+            <a:off x="3919724" y="3119628"/>
+            <a:ext cx="646331" cy="369332"/>
+          </a:xfrm>
+          <a:prstGeom prst="rect">
+            <a:avLst/>
+          </a:prstGeom>
+        </p:spPr>
+        <p:txBody>
+          <a:bodyPr wrap="none">
+            <a:spAutoFit/>
+          </a:bodyPr>
+          <a:lstStyle/>
+          <a:p>
+            <a:r>
+              <a:rPr lang="zh-TW" altLang="en-US" dirty="0"/>
+              <a:t>首頁</a:t>
+            </a:r>
+          </a:p>
+        </p:txBody>
+      </p:sp>
+      <p:sp>
+        <p:nvSpPr>
+          <p:cNvPr id="12" name="矩形 11"/>
+          <p:cNvSpPr/>
+          <p:nvPr/>
+        </p:nvSpPr>
+        <p:spPr>
+          <a:xfrm>
+            <a:off x="3179706" y="2621521"/>
+            <a:ext cx="3775393" cy="369332"/>
+          </a:xfrm>
+          <a:prstGeom prst="rect">
+            <a:avLst/>
+          </a:prstGeom>
+        </p:spPr>
+        <p:txBody>
+          <a:bodyPr wrap="none">
+            <a:spAutoFit/>
+          </a:bodyPr>
+          <a:lstStyle/>
+          <a:p>
+            <a:r>
+              <a:rPr lang="zh-TW" altLang="en-US" dirty="0" smtClean="0"/>
+              <a:t>不用登入就可以瀏覽的</a:t>
+            </a:r>
+            <a:r>
+              <a:rPr lang="en-US" altLang="zh-TW" dirty="0"/>
+              <a:t>Master</a:t>
+            </a:r>
+            <a:r>
+              <a:rPr lang="zh-TW" altLang="en-US" dirty="0" smtClean="0"/>
+              <a:t> </a:t>
+            </a:r>
+            <a:r>
+              <a:rPr lang="en-US" altLang="zh-TW" dirty="0" smtClean="0"/>
+              <a:t>page</a:t>
+            </a:r>
+            <a:endParaRPr lang="zh-TW" altLang="en-US" dirty="0"/>
+          </a:p>
+        </p:txBody>
+      </p:sp>
+      <p:sp>
+        <p:nvSpPr>
+          <p:cNvPr id="13" name="向右箭號 12"/>
+          <p:cNvSpPr/>
+          <p:nvPr/>
+        </p:nvSpPr>
+        <p:spPr>
+          <a:xfrm rot="5400000">
+            <a:off x="7735617" y="2225890"/>
+            <a:ext cx="653499" cy="492369"/>
+          </a:xfrm>
+          <a:prstGeom prst="rightArrow">
+            <a:avLst/>
+          </a:prstGeom>
+          <a:solidFill>
+            <a:schemeClr val="accent1"/>
+          </a:solidFill>
+          <a:ln>
+            <a:solidFill>
+              <a:schemeClr val="tx1"/>
+            </a:solidFill>
+          </a:ln>
+        </p:spPr>
+        <p:style>
+          <a:lnRef idx="2">
+            <a:schemeClr val="accent1">
+              <a:shade val="50000"/>
+            </a:schemeClr>
+          </a:lnRef>
+          <a:fillRef idx="1">
+            <a:schemeClr val="accent1"/>
+          </a:fillRef>
+          <a:effectRef idx="0">
+            <a:schemeClr val="accent1"/>
+          </a:effectRef>
+          <a:fontRef idx="minor">
+            <a:schemeClr val="lt1"/>
+          </a:fontRef>
+        </p:style>
+        <p:txBody>
+          <a:bodyPr rtlCol="0" anchor="ctr"/>
+          <a:lstStyle/>
+          <a:p>
+            <a:pPr algn="ctr"/>
+            <a:endParaRPr lang="zh-TW" altLang="en-US"/>
+          </a:p>
+        </p:txBody>
+      </p:sp>
+      <p:sp>
+        <p:nvSpPr>
+          <p:cNvPr id="2" name="矩形 1"/>
+          <p:cNvSpPr/>
+          <p:nvPr/>
+        </p:nvSpPr>
+        <p:spPr>
+          <a:xfrm>
+            <a:off x="6037612" y="1638263"/>
+            <a:ext cx="4049507" cy="461665"/>
+          </a:xfrm>
+          <a:prstGeom prst="rect">
+            <a:avLst/>
+          </a:prstGeom>
+        </p:spPr>
+        <p:txBody>
+          <a:bodyPr wrap="none">
+            <a:spAutoFit/>
+          </a:bodyPr>
+          <a:lstStyle/>
+          <a:p>
+            <a:r>
+              <a:rPr lang="en-US" altLang="zh-TW" sz="2400" dirty="0" smtClean="0">
+                <a:solidFill>
+                  <a:srgbClr val="FF0000"/>
+                </a:solidFill>
+              </a:rPr>
+              <a:t>CSS </a:t>
+            </a:r>
+            <a:r>
+              <a:rPr lang="zh-TW" altLang="en-US" sz="2400" dirty="0" smtClean="0">
+                <a:solidFill>
+                  <a:srgbClr val="FF0000"/>
+                </a:solidFill>
+              </a:rPr>
+              <a:t>美化</a:t>
+            </a:r>
+            <a:r>
+              <a:rPr lang="en-US" altLang="zh-TW" sz="2400" dirty="0" smtClean="0">
+                <a:solidFill>
+                  <a:srgbClr val="FF0000"/>
+                </a:solidFill>
+              </a:rPr>
+              <a:t> Master Page</a:t>
+            </a:r>
+            <a:r>
+              <a:rPr lang="zh-TW" altLang="en-US" sz="2400" dirty="0">
+                <a:solidFill>
+                  <a:srgbClr val="FF0000"/>
+                </a:solidFill>
+              </a:rPr>
+              <a:t> </a:t>
+            </a:r>
+            <a:r>
+              <a:rPr lang="zh-TW" altLang="en-US" sz="2400" dirty="0" smtClean="0">
+                <a:solidFill>
+                  <a:srgbClr val="FF0000"/>
+                </a:solidFill>
+              </a:rPr>
+              <a:t>選單</a:t>
+            </a:r>
+            <a:endParaRPr lang="zh-TW" altLang="en-US" sz="2400" dirty="0">
+              <a:solidFill>
+                <a:srgbClr val="FF0000"/>
+              </a:solidFill>
+            </a:endParaRPr>
+          </a:p>
+        </p:txBody>
+      </p:sp>
+    </p:spTree>
+    <p:extLst>
+      <p:ext uri="{BB962C8B-B14F-4D97-AF65-F5344CB8AC3E}">
+        <p14:creationId xmlns:p14="http://schemas.microsoft.com/office/powerpoint/2010/main" val="2858525652"/>
+      </p:ext>
+    </p:extLst>
+  </p:cSld>
+  <p:clrMapOvr>
+    <a:masterClrMapping/>
+  </p:clrMapOvr>
+  <mc:AlternateContent xmlns:mc="http://schemas.openxmlformats.org/markup-compatibility/2006" xmlns:p14="http://schemas.microsoft.com/office/powerpoint/2010/main">
+    <mc:Choice Requires="p14">
+      <p:transition spd="slow" p14:dur="1500">
+        <p:random/>
+      </p:transition>
+    </mc:Choice>
+    <mc:Fallback xmlns="">
+      <p:transition spd="slow">
+        <p:random/>
+      </p:transition>
+    </mc:Fallback>
+  </mc:AlternateContent>
+</p:sld>
+</file>
+
+<file path=ppt/slides/slide9.xml><?xml version="1.0" encoding="utf-8"?>
+<p:sld xmlns:a="http://schemas.openxmlformats.org/drawingml/2006/main" xmlns:r="http://schemas.openxmlformats.org/officeDocument/2006/relationships" xmlns:p="http://schemas.openxmlformats.org/presentationml/2006/main">
+  <p:cSld>
+    <p:spTree>
+      <p:nvGrpSpPr>
+        <p:cNvPr id="1" name=""/>
+        <p:cNvGrpSpPr/>
+        <p:nvPr/>
+      </p:nvGrpSpPr>
+      <p:grpSpPr>
+        <a:xfrm>
+          <a:off x="0" y="0"/>
+          <a:ext cx="0" cy="0"/>
+          <a:chOff x="0" y="0"/>
+          <a:chExt cx="0" cy="0"/>
+        </a:xfrm>
+      </p:grpSpPr>
+      <p:sp>
+        <p:nvSpPr>
+          <p:cNvPr id="2" name="標題 1"/>
+          <p:cNvSpPr>
+            <a:spLocks noGrp="1"/>
+          </p:cNvSpPr>
+          <p:nvPr>
+            <p:ph type="title"/>
+          </p:nvPr>
+        </p:nvSpPr>
+        <p:spPr/>
+        <p:txBody>
+          <a:bodyPr/>
+          <a:lstStyle/>
+          <a:p>
+            <a:r>
+              <a:rPr lang="zh-TW" altLang="en-US" dirty="0"/>
+              <a:t>網頁頂部</a:t>
+            </a:r>
+            <a:r>
+              <a:rPr lang="en-US" altLang="zh-TW" dirty="0"/>
+              <a:t>(</a:t>
+            </a:r>
+            <a:r>
+              <a:rPr lang="en-US" altLang="zh-TW" dirty="0" smtClean="0"/>
+              <a:t>Master </a:t>
+            </a:r>
+            <a:r>
+              <a:rPr lang="en-US" altLang="zh-TW" dirty="0"/>
+              <a:t>Page)</a:t>
             </a:r>
             <a:r>
               <a:rPr lang="zh-TW" altLang="en-US" dirty="0" smtClean="0"/>
@@ -7850,189 +11324,6 @@
     <p:extLst>
       <p:ext uri="{BB962C8B-B14F-4D97-AF65-F5344CB8AC3E}">
         <p14:creationId xmlns:p14="http://schemas.microsoft.com/office/powerpoint/2010/main" val="2965642650"/>
-      </p:ext>
-    </p:extLst>
-  </p:cSld>
-  <p:clrMapOvr>
-    <a:masterClrMapping/>
-  </p:clrMapOvr>
-  <mc:AlternateContent xmlns:mc="http://schemas.openxmlformats.org/markup-compatibility/2006" xmlns:p14="http://schemas.microsoft.com/office/powerpoint/2010/main">
-    <mc:Choice Requires="p14">
-      <p:transition spd="slow" p14:dur="1500">
-        <p:random/>
-      </p:transition>
-    </mc:Choice>
-    <mc:Fallback xmlns="">
-      <p:transition spd="slow">
-        <p:random/>
-      </p:transition>
-    </mc:Fallback>
-  </mc:AlternateContent>
-</p:sld>
-</file>
-
-<file path=ppt/slides/slide5.xml><?xml version="1.0" encoding="utf-8"?>
-<p:sld xmlns:a="http://schemas.openxmlformats.org/drawingml/2006/main" xmlns:r="http://schemas.openxmlformats.org/officeDocument/2006/relationships" xmlns:p="http://schemas.openxmlformats.org/presentationml/2006/main">
-  <p:cSld>
-    <p:spTree>
-      <p:nvGrpSpPr>
-        <p:cNvPr id="1" name=""/>
-        <p:cNvGrpSpPr/>
-        <p:nvPr/>
-      </p:nvGrpSpPr>
-      <p:grpSpPr>
-        <a:xfrm>
-          <a:off x="0" y="0"/>
-          <a:ext cx="0" cy="0"/>
-          <a:chOff x="0" y="0"/>
-          <a:chExt cx="0" cy="0"/>
-        </a:xfrm>
-      </p:grpSpPr>
-      <p:sp>
-        <p:nvSpPr>
-          <p:cNvPr id="2" name="標題 1"/>
-          <p:cNvSpPr>
-            <a:spLocks noGrp="1"/>
-          </p:cNvSpPr>
-          <p:nvPr>
-            <p:ph type="title"/>
-          </p:nvPr>
-        </p:nvSpPr>
-        <p:spPr/>
-        <p:txBody>
-          <a:bodyPr/>
-          <a:lstStyle/>
-          <a:p>
-            <a:r>
-              <a:rPr lang="zh-TW" altLang="en-US" dirty="0"/>
-              <a:t>登入</a:t>
-            </a:r>
-            <a:r>
-              <a:rPr lang="zh-TW" altLang="en-US" dirty="0" smtClean="0"/>
-              <a:t>網頁</a:t>
-            </a:r>
-            <a:endParaRPr lang="zh-TW" altLang="en-US" dirty="0"/>
-          </a:p>
-        </p:txBody>
-      </p:sp>
-      <p:pic>
-        <p:nvPicPr>
-          <p:cNvPr id="6" name="內容版面配置區 5" descr="畫面剪輯"/>
-          <p:cNvPicPr>
-            <a:picLocks noGrp="1" noChangeAspect="1"/>
-          </p:cNvPicPr>
-          <p:nvPr>
-            <p:ph idx="1"/>
-          </p:nvPr>
-        </p:nvPicPr>
-        <p:blipFill rotWithShape="1">
-          <a:blip r:embed="rId2">
-            <a:extLst>
-              <a:ext uri="{28A0092B-C50C-407E-A947-70E740481C1C}">
-                <a14:useLocalDpi xmlns:a14="http://schemas.microsoft.com/office/drawing/2010/main" val="0"/>
-              </a:ext>
-            </a:extLst>
-          </a:blip>
-          <a:srcRect t="1697"/>
-          <a:stretch/>
-        </p:blipFill>
-        <p:spPr>
-          <a:xfrm>
-            <a:off x="639659" y="2813538"/>
-            <a:ext cx="3305828" cy="1670538"/>
-          </a:xfrm>
-          <a:prstGeom prst="rect">
-            <a:avLst/>
-          </a:prstGeom>
-          <a:ln w="38100" cap="sq">
-            <a:solidFill>
-              <a:srgbClr val="000000"/>
-            </a:solidFill>
-            <a:prstDash val="solid"/>
-            <a:miter lim="800000"/>
-          </a:ln>
-          <a:effectLst>
-            <a:outerShdw blurRad="50800" dist="38100" dir="2700000" algn="tl" rotWithShape="0">
-              <a:srgbClr val="000000">
-                <a:alpha val="43000"/>
-              </a:srgbClr>
-            </a:outerShdw>
-          </a:effectLst>
-        </p:spPr>
-      </p:pic>
-      <p:pic>
-        <p:nvPicPr>
-          <p:cNvPr id="7" name="圖片 6" descr="畫面剪輯"/>
-          <p:cNvPicPr>
-            <a:picLocks noChangeAspect="1"/>
-          </p:cNvPicPr>
-          <p:nvPr/>
-        </p:nvPicPr>
-        <p:blipFill rotWithShape="1">
-          <a:blip r:embed="rId3">
-            <a:extLst>
-              <a:ext uri="{28A0092B-C50C-407E-A947-70E740481C1C}">
-                <a14:useLocalDpi xmlns:a14="http://schemas.microsoft.com/office/drawing/2010/main" val="0"/>
-              </a:ext>
-            </a:extLst>
-          </a:blip>
-          <a:srcRect l="18967"/>
-          <a:stretch/>
-        </p:blipFill>
-        <p:spPr>
-          <a:xfrm>
-            <a:off x="5002823" y="1670606"/>
-            <a:ext cx="6969368" cy="4287061"/>
-          </a:xfrm>
-          <a:prstGeom prst="rect">
-            <a:avLst/>
-          </a:prstGeom>
-        </p:spPr>
-      </p:pic>
-      <p:sp>
-        <p:nvSpPr>
-          <p:cNvPr id="8" name="向右箭號 7"/>
-          <p:cNvSpPr/>
-          <p:nvPr/>
-        </p:nvSpPr>
-        <p:spPr>
-          <a:xfrm>
-            <a:off x="4100482" y="3402622"/>
-            <a:ext cx="747346" cy="492369"/>
-          </a:xfrm>
-          <a:prstGeom prst="rightArrow">
-            <a:avLst/>
-          </a:prstGeom>
-        </p:spPr>
-        <p:style>
-          <a:lnRef idx="2">
-            <a:schemeClr val="accent1">
-              <a:shade val="50000"/>
-            </a:schemeClr>
-          </a:lnRef>
-          <a:fillRef idx="1">
-            <a:schemeClr val="accent1"/>
-          </a:fillRef>
-          <a:effectRef idx="0">
-            <a:schemeClr val="accent1"/>
-          </a:effectRef>
-          <a:fontRef idx="minor">
-            <a:schemeClr val="lt1"/>
-          </a:fontRef>
-        </p:style>
-        <p:txBody>
-          <a:bodyPr rtlCol="0" anchor="ctr"/>
-          <a:lstStyle/>
-          <a:p>
-            <a:pPr algn="ctr"/>
-            <a:endParaRPr lang="zh-TW" altLang="en-US"/>
-          </a:p>
-        </p:txBody>
-      </p:sp>
-    </p:spTree>
-    <p:extLst>
-      <p:ext uri="{BB962C8B-B14F-4D97-AF65-F5344CB8AC3E}">
-        <p14:creationId xmlns:p14="http://schemas.microsoft.com/office/powerpoint/2010/main" val="1147716769"/>
       </p:ext>
     </p:extLst>
   </p:cSld>
